--- a/ContainYourExcitement.pptx
+++ b/ContainYourExcitement.pptx
@@ -5,26 +5,27 @@
     <p:sldMasterId id="2147483648" r:id="rId4"/>
   </p:sldMasterIdLst>
   <p:notesMasterIdLst>
-    <p:notesMasterId r:id="rId19"/>
+    <p:notesMasterId r:id="rId20"/>
   </p:notesMasterIdLst>
   <p:handoutMasterIdLst>
-    <p:handoutMasterId r:id="rId20"/>
+    <p:handoutMasterId r:id="rId21"/>
   </p:handoutMasterIdLst>
   <p:sldIdLst>
     <p:sldId id="256" r:id="rId5"/>
-    <p:sldId id="265" r:id="rId6"/>
-    <p:sldId id="269" r:id="rId7"/>
-    <p:sldId id="266" r:id="rId8"/>
-    <p:sldId id="277" r:id="rId9"/>
-    <p:sldId id="275" r:id="rId10"/>
-    <p:sldId id="276" r:id="rId11"/>
-    <p:sldId id="278" r:id="rId12"/>
-    <p:sldId id="279" r:id="rId13"/>
-    <p:sldId id="280" r:id="rId14"/>
-    <p:sldId id="281" r:id="rId15"/>
-    <p:sldId id="282" r:id="rId16"/>
-    <p:sldId id="283" r:id="rId17"/>
-    <p:sldId id="274" r:id="rId18"/>
+    <p:sldId id="284" r:id="rId6"/>
+    <p:sldId id="265" r:id="rId7"/>
+    <p:sldId id="269" r:id="rId8"/>
+    <p:sldId id="266" r:id="rId9"/>
+    <p:sldId id="277" r:id="rId10"/>
+    <p:sldId id="275" r:id="rId11"/>
+    <p:sldId id="276" r:id="rId12"/>
+    <p:sldId id="278" r:id="rId13"/>
+    <p:sldId id="279" r:id="rId14"/>
+    <p:sldId id="280" r:id="rId15"/>
+    <p:sldId id="281" r:id="rId16"/>
+    <p:sldId id="282" r:id="rId17"/>
+    <p:sldId id="283" r:id="rId18"/>
+    <p:sldId id="274" r:id="rId19"/>
   </p:sldIdLst>
   <p:sldSz cx="12188825" cy="6858000"/>
   <p:notesSz cx="6858000" cy="9144000"/>
@@ -16758,7 +16759,7 @@
           <a:p>
             <a:fld id="{24CE221E-83ED-4F6C-BA5F-3F9E6FDB6953}" type="datetimeFigureOut">
               <a:rPr lang="en-US"/>
-              <a:t>6/17/2017</a:t>
+              <a:t>6/21/2017</a:t>
             </a:fld>
             <a:endParaRPr/>
           </a:p>
@@ -16923,7 +16924,7 @@
           <a:p>
             <a:fld id="{97853E5F-CE67-483C-A264-F17AC70E9CA2}" type="datetimeFigureOut">
               <a:rPr lang="en-US"/>
-              <a:t>6/17/2017</a:t>
+              <a:t>6/21/2017</a:t>
             </a:fld>
             <a:endParaRPr/>
           </a:p>
@@ -17425,7 +17426,7 @@
           <a:p>
             <a:fld id="{3E0FA9E5-6744-4841-888F-9E7CC0C2B7EC}" type="datetimeFigureOut">
               <a:rPr lang="en-US"/>
-              <a:t>6/17/2017</a:t>
+              <a:t>6/21/2017</a:t>
             </a:fld>
             <a:endParaRPr/>
           </a:p>
@@ -17611,7 +17612,7 @@
           <a:p>
             <a:fld id="{3E0FA9E5-6744-4841-888F-9E7CC0C2B7EC}" type="datetimeFigureOut">
               <a:rPr lang="en-US"/>
-              <a:t>6/17/2017</a:t>
+              <a:t>6/21/2017</a:t>
             </a:fld>
             <a:endParaRPr/>
           </a:p>
@@ -17807,7 +17808,7 @@
           <a:p>
             <a:fld id="{3E0FA9E5-6744-4841-888F-9E7CC0C2B7EC}" type="datetimeFigureOut">
               <a:rPr lang="en-US"/>
-              <a:t>6/17/2017</a:t>
+              <a:t>6/21/2017</a:t>
             </a:fld>
             <a:endParaRPr/>
           </a:p>
@@ -17993,7 +17994,7 @@
           <a:p>
             <a:fld id="{3E0FA9E5-6744-4841-888F-9E7CC0C2B7EC}" type="datetimeFigureOut">
               <a:rPr lang="en-US"/>
-              <a:t>6/17/2017</a:t>
+              <a:t>6/21/2017</a:t>
             </a:fld>
             <a:endParaRPr/>
           </a:p>
@@ -18282,7 +18283,7 @@
           <a:p>
             <a:fld id="{3E0FA9E5-6744-4841-888F-9E7CC0C2B7EC}" type="datetimeFigureOut">
               <a:rPr lang="en-US"/>
-              <a:t>6/17/2017</a:t>
+              <a:t>6/21/2017</a:t>
             </a:fld>
             <a:endParaRPr/>
           </a:p>
@@ -18590,7 +18591,7 @@
           <a:p>
             <a:fld id="{3E0FA9E5-6744-4841-888F-9E7CC0C2B7EC}" type="datetimeFigureOut">
               <a:rPr lang="en-US"/>
-              <a:t>6/17/2017</a:t>
+              <a:t>6/21/2017</a:t>
             </a:fld>
             <a:endParaRPr/>
           </a:p>
@@ -19042,7 +19043,7 @@
           <a:p>
             <a:fld id="{3E0FA9E5-6744-4841-888F-9E7CC0C2B7EC}" type="datetimeFigureOut">
               <a:rPr lang="en-US"/>
-              <a:t>6/17/2017</a:t>
+              <a:t>6/21/2017</a:t>
             </a:fld>
             <a:endParaRPr/>
           </a:p>
@@ -19176,7 +19177,7 @@
           <a:p>
             <a:fld id="{3E0FA9E5-6744-4841-888F-9E7CC0C2B7EC}" type="datetimeFigureOut">
               <a:rPr lang="en-US"/>
-              <a:t>6/17/2017</a:t>
+              <a:t>6/21/2017</a:t>
             </a:fld>
             <a:endParaRPr/>
           </a:p>
@@ -19306,7 +19307,7 @@
           <a:p>
             <a:fld id="{3E0FA9E5-6744-4841-888F-9E7CC0C2B7EC}" type="datetimeFigureOut">
               <a:rPr lang="en-US"/>
-              <a:t>6/17/2017</a:t>
+              <a:t>6/21/2017</a:t>
             </a:fld>
             <a:endParaRPr/>
           </a:p>
@@ -19637,7 +19638,7 @@
           <a:p>
             <a:fld id="{3E0FA9E5-6744-4841-888F-9E7CC0C2B7EC}" type="datetimeFigureOut">
               <a:rPr lang="en-US"/>
-              <a:t>6/17/2017</a:t>
+              <a:t>6/21/2017</a:t>
             </a:fld>
             <a:endParaRPr/>
           </a:p>
@@ -20144,7 +20145,7 @@
             <a:fld id="{3E0FA9E5-6744-4841-888F-9E7CC0C2B7EC}" type="datetimeFigureOut">
               <a:rPr lang="en-US" smtClean="0"/>
               <a:pPr/>
-              <a:t>6/17/2017</a:t>
+              <a:t>6/21/2017</a:t>
             </a:fld>
             <a:endParaRPr lang="en-US" dirty="0"/>
           </a:p>
@@ -20727,6 +20728,644 @@
       </p:grpSpPr>
       <p:sp>
         <p:nvSpPr>
+          <p:cNvPr id="3" name="Cylinder 2"/>
+          <p:cNvSpPr/>
+          <p:nvPr/>
+        </p:nvSpPr>
+        <p:spPr>
+          <a:xfrm>
+            <a:off x="6084084" y="1731212"/>
+            <a:ext cx="2067663" cy="1938042"/>
+          </a:xfrm>
+          <a:prstGeom prst="can">
+            <a:avLst/>
+          </a:prstGeom>
+        </p:spPr>
+        <p:style>
+          <a:lnRef idx="2">
+            <a:schemeClr val="accent1">
+              <a:shade val="50000"/>
+            </a:schemeClr>
+          </a:lnRef>
+          <a:fillRef idx="1">
+            <a:schemeClr val="accent1"/>
+          </a:fillRef>
+          <a:effectRef idx="0">
+            <a:schemeClr val="accent1"/>
+          </a:effectRef>
+          <a:fontRef idx="minor">
+            <a:schemeClr val="lt1"/>
+          </a:fontRef>
+        </p:style>
+        <p:txBody>
+          <a:bodyPr rtlCol="0" anchor="ctr"/>
+          <a:lstStyle/>
+          <a:p>
+            <a:pPr algn="ctr"/>
+            <a:endParaRPr lang="en-US"/>
+          </a:p>
+        </p:txBody>
+      </p:sp>
+      <p:sp>
+        <p:nvSpPr>
+          <p:cNvPr id="2" name="Title 1"/>
+          <p:cNvSpPr>
+            <a:spLocks noGrp="1"/>
+          </p:cNvSpPr>
+          <p:nvPr>
+            <p:ph type="title"/>
+          </p:nvPr>
+        </p:nvSpPr>
+        <p:spPr/>
+        <p:txBody>
+          <a:bodyPr/>
+          <a:lstStyle/>
+          <a:p>
+            <a:r>
+              <a:rPr lang="en-US" dirty="0"/>
+              <a:t>Container (wherever!)</a:t>
+            </a:r>
+          </a:p>
+        </p:txBody>
+      </p:sp>
+      <p:graphicFrame>
+        <p:nvGraphicFramePr>
+          <p:cNvPr id="10" name="Content Placeholder 5"/>
+          <p:cNvGraphicFramePr>
+            <a:graphicFrameLocks noGrp="1"/>
+          </p:cNvGraphicFramePr>
+          <p:nvPr>
+            <p:extLst>
+              <p:ext uri="{D42A27DB-BD31-4B8C-83A1-F6EECF244321}">
+                <p14:modId xmlns:p14="http://schemas.microsoft.com/office/powerpoint/2010/main" val="2147720473"/>
+              </p:ext>
+            </p:extLst>
+          </p:nvPr>
+        </p:nvGraphicFramePr>
+        <p:xfrm>
+          <a:off x="1768293" y="2133600"/>
+          <a:ext cx="6292101" cy="3698427"/>
+        </p:xfrm>
+        <a:graphic>
+          <a:graphicData uri="http://schemas.openxmlformats.org/drawingml/2006/diagram">
+            <dgm:relIds xmlns:dgm="http://schemas.openxmlformats.org/drawingml/2006/diagram" xmlns:r="http://schemas.openxmlformats.org/officeDocument/2006/relationships" r:dm="rId2" r:lo="rId3" r:qs="rId4" r:cs="rId5"/>
+          </a:graphicData>
+        </a:graphic>
+      </p:graphicFrame>
+      <p:sp>
+        <p:nvSpPr>
+          <p:cNvPr id="11" name="Right Brace 10"/>
+          <p:cNvSpPr/>
+          <p:nvPr/>
+        </p:nvSpPr>
+        <p:spPr>
+          <a:xfrm>
+            <a:off x="8316144" y="2022501"/>
+            <a:ext cx="812203" cy="1355464"/>
+          </a:xfrm>
+          <a:prstGeom prst="rightBrace">
+            <a:avLst/>
+          </a:prstGeom>
+        </p:spPr>
+        <p:style>
+          <a:lnRef idx="1">
+            <a:schemeClr val="accent1"/>
+          </a:lnRef>
+          <a:fillRef idx="0">
+            <a:schemeClr val="accent1"/>
+          </a:fillRef>
+          <a:effectRef idx="0">
+            <a:schemeClr val="accent1"/>
+          </a:effectRef>
+          <a:fontRef idx="minor">
+            <a:schemeClr val="tx1"/>
+          </a:fontRef>
+        </p:style>
+        <p:txBody>
+          <a:bodyPr rtlCol="0" anchor="ctr"/>
+          <a:lstStyle>
+            <a:defPPr>
+              <a:defRPr lang="en-US"/>
+            </a:defPPr>
+            <a:lvl1pPr marL="0" algn="l" defTabSz="914400" rtl="0" eaLnBrk="1" latinLnBrk="0" hangingPunct="1">
+              <a:defRPr sz="1800" kern="1200">
+                <a:solidFill>
+                  <a:schemeClr val="tx1"/>
+                </a:solidFill>
+                <a:latin typeface="+mn-lt"/>
+                <a:ea typeface="+mn-ea"/>
+                <a:cs typeface="+mn-cs"/>
+              </a:defRPr>
+            </a:lvl1pPr>
+            <a:lvl2pPr marL="457200" algn="l" defTabSz="914400" rtl="0" eaLnBrk="1" latinLnBrk="0" hangingPunct="1">
+              <a:defRPr sz="1800" kern="1200">
+                <a:solidFill>
+                  <a:schemeClr val="tx1"/>
+                </a:solidFill>
+                <a:latin typeface="+mn-lt"/>
+                <a:ea typeface="+mn-ea"/>
+                <a:cs typeface="+mn-cs"/>
+              </a:defRPr>
+            </a:lvl2pPr>
+            <a:lvl3pPr marL="914400" algn="l" defTabSz="914400" rtl="0" eaLnBrk="1" latinLnBrk="0" hangingPunct="1">
+              <a:defRPr sz="1800" kern="1200">
+                <a:solidFill>
+                  <a:schemeClr val="tx1"/>
+                </a:solidFill>
+                <a:latin typeface="+mn-lt"/>
+                <a:ea typeface="+mn-ea"/>
+                <a:cs typeface="+mn-cs"/>
+              </a:defRPr>
+            </a:lvl3pPr>
+            <a:lvl4pPr marL="1371600" algn="l" defTabSz="914400" rtl="0" eaLnBrk="1" latinLnBrk="0" hangingPunct="1">
+              <a:defRPr sz="1800" kern="1200">
+                <a:solidFill>
+                  <a:schemeClr val="tx1"/>
+                </a:solidFill>
+                <a:latin typeface="+mn-lt"/>
+                <a:ea typeface="+mn-ea"/>
+                <a:cs typeface="+mn-cs"/>
+              </a:defRPr>
+            </a:lvl4pPr>
+            <a:lvl5pPr marL="1828800" algn="l" defTabSz="914400" rtl="0" eaLnBrk="1" latinLnBrk="0" hangingPunct="1">
+              <a:defRPr sz="1800" kern="1200">
+                <a:solidFill>
+                  <a:schemeClr val="tx1"/>
+                </a:solidFill>
+                <a:latin typeface="+mn-lt"/>
+                <a:ea typeface="+mn-ea"/>
+                <a:cs typeface="+mn-cs"/>
+              </a:defRPr>
+            </a:lvl5pPr>
+            <a:lvl6pPr marL="2286000" algn="l" defTabSz="914400" rtl="0" eaLnBrk="1" latinLnBrk="0" hangingPunct="1">
+              <a:defRPr sz="1800" kern="1200">
+                <a:solidFill>
+                  <a:schemeClr val="tx1"/>
+                </a:solidFill>
+                <a:latin typeface="+mn-lt"/>
+                <a:ea typeface="+mn-ea"/>
+                <a:cs typeface="+mn-cs"/>
+              </a:defRPr>
+            </a:lvl6pPr>
+            <a:lvl7pPr marL="2743200" algn="l" defTabSz="914400" rtl="0" eaLnBrk="1" latinLnBrk="0" hangingPunct="1">
+              <a:defRPr sz="1800" kern="1200">
+                <a:solidFill>
+                  <a:schemeClr val="tx1"/>
+                </a:solidFill>
+                <a:latin typeface="+mn-lt"/>
+                <a:ea typeface="+mn-ea"/>
+                <a:cs typeface="+mn-cs"/>
+              </a:defRPr>
+            </a:lvl7pPr>
+            <a:lvl8pPr marL="3200400" algn="l" defTabSz="914400" rtl="0" eaLnBrk="1" latinLnBrk="0" hangingPunct="1">
+              <a:defRPr sz="1800" kern="1200">
+                <a:solidFill>
+                  <a:schemeClr val="tx1"/>
+                </a:solidFill>
+                <a:latin typeface="+mn-lt"/>
+                <a:ea typeface="+mn-ea"/>
+                <a:cs typeface="+mn-cs"/>
+              </a:defRPr>
+            </a:lvl8pPr>
+            <a:lvl9pPr marL="3657600" algn="l" defTabSz="914400" rtl="0" eaLnBrk="1" latinLnBrk="0" hangingPunct="1">
+              <a:defRPr sz="1800" kern="1200">
+                <a:solidFill>
+                  <a:schemeClr val="tx1"/>
+                </a:solidFill>
+                <a:latin typeface="+mn-lt"/>
+                <a:ea typeface="+mn-ea"/>
+                <a:cs typeface="+mn-cs"/>
+              </a:defRPr>
+            </a:lvl9pPr>
+          </a:lstStyle>
+          <a:p>
+            <a:pPr algn="ctr"/>
+            <a:endParaRPr lang="en-US" dirty="0"/>
+          </a:p>
+        </p:txBody>
+      </p:sp>
+      <p:sp>
+        <p:nvSpPr>
+          <p:cNvPr id="12" name="TextBox 6"/>
+          <p:cNvSpPr txBox="1"/>
+          <p:nvPr/>
+        </p:nvSpPr>
+        <p:spPr>
+          <a:xfrm>
+            <a:off x="9292744" y="2515567"/>
+            <a:ext cx="1952329" cy="369332"/>
+          </a:xfrm>
+          <a:prstGeom prst="rect">
+            <a:avLst/>
+          </a:prstGeom>
+          <a:noFill/>
+        </p:spPr>
+        <p:txBody>
+          <a:bodyPr wrap="none" rtlCol="0">
+            <a:spAutoFit/>
+          </a:bodyPr>
+          <a:lstStyle>
+            <a:defPPr>
+              <a:defRPr lang="en-US"/>
+            </a:defPPr>
+            <a:lvl1pPr marL="0" algn="l" defTabSz="914400" rtl="0" eaLnBrk="1" latinLnBrk="0" hangingPunct="1">
+              <a:defRPr sz="1800" kern="1200">
+                <a:solidFill>
+                  <a:schemeClr val="tx1"/>
+                </a:solidFill>
+                <a:latin typeface="+mn-lt"/>
+                <a:ea typeface="+mn-ea"/>
+                <a:cs typeface="+mn-cs"/>
+              </a:defRPr>
+            </a:lvl1pPr>
+            <a:lvl2pPr marL="457200" algn="l" defTabSz="914400" rtl="0" eaLnBrk="1" latinLnBrk="0" hangingPunct="1">
+              <a:defRPr sz="1800" kern="1200">
+                <a:solidFill>
+                  <a:schemeClr val="tx1"/>
+                </a:solidFill>
+                <a:latin typeface="+mn-lt"/>
+                <a:ea typeface="+mn-ea"/>
+                <a:cs typeface="+mn-cs"/>
+              </a:defRPr>
+            </a:lvl2pPr>
+            <a:lvl3pPr marL="914400" algn="l" defTabSz="914400" rtl="0" eaLnBrk="1" latinLnBrk="0" hangingPunct="1">
+              <a:defRPr sz="1800" kern="1200">
+                <a:solidFill>
+                  <a:schemeClr val="tx1"/>
+                </a:solidFill>
+                <a:latin typeface="+mn-lt"/>
+                <a:ea typeface="+mn-ea"/>
+                <a:cs typeface="+mn-cs"/>
+              </a:defRPr>
+            </a:lvl3pPr>
+            <a:lvl4pPr marL="1371600" algn="l" defTabSz="914400" rtl="0" eaLnBrk="1" latinLnBrk="0" hangingPunct="1">
+              <a:defRPr sz="1800" kern="1200">
+                <a:solidFill>
+                  <a:schemeClr val="tx1"/>
+                </a:solidFill>
+                <a:latin typeface="+mn-lt"/>
+                <a:ea typeface="+mn-ea"/>
+                <a:cs typeface="+mn-cs"/>
+              </a:defRPr>
+            </a:lvl4pPr>
+            <a:lvl5pPr marL="1828800" algn="l" defTabSz="914400" rtl="0" eaLnBrk="1" latinLnBrk="0" hangingPunct="1">
+              <a:defRPr sz="1800" kern="1200">
+                <a:solidFill>
+                  <a:schemeClr val="tx1"/>
+                </a:solidFill>
+                <a:latin typeface="+mn-lt"/>
+                <a:ea typeface="+mn-ea"/>
+                <a:cs typeface="+mn-cs"/>
+              </a:defRPr>
+            </a:lvl5pPr>
+            <a:lvl6pPr marL="2286000" algn="l" defTabSz="914400" rtl="0" eaLnBrk="1" latinLnBrk="0" hangingPunct="1">
+              <a:defRPr sz="1800" kern="1200">
+                <a:solidFill>
+                  <a:schemeClr val="tx1"/>
+                </a:solidFill>
+                <a:latin typeface="+mn-lt"/>
+                <a:ea typeface="+mn-ea"/>
+                <a:cs typeface="+mn-cs"/>
+              </a:defRPr>
+            </a:lvl6pPr>
+            <a:lvl7pPr marL="2743200" algn="l" defTabSz="914400" rtl="0" eaLnBrk="1" latinLnBrk="0" hangingPunct="1">
+              <a:defRPr sz="1800" kern="1200">
+                <a:solidFill>
+                  <a:schemeClr val="tx1"/>
+                </a:solidFill>
+                <a:latin typeface="+mn-lt"/>
+                <a:ea typeface="+mn-ea"/>
+                <a:cs typeface="+mn-cs"/>
+              </a:defRPr>
+            </a:lvl7pPr>
+            <a:lvl8pPr marL="3200400" algn="l" defTabSz="914400" rtl="0" eaLnBrk="1" latinLnBrk="0" hangingPunct="1">
+              <a:defRPr sz="1800" kern="1200">
+                <a:solidFill>
+                  <a:schemeClr val="tx1"/>
+                </a:solidFill>
+                <a:latin typeface="+mn-lt"/>
+                <a:ea typeface="+mn-ea"/>
+                <a:cs typeface="+mn-cs"/>
+              </a:defRPr>
+            </a:lvl8pPr>
+            <a:lvl9pPr marL="3657600" algn="l" defTabSz="914400" rtl="0" eaLnBrk="1" latinLnBrk="0" hangingPunct="1">
+              <a:defRPr sz="1800" kern="1200">
+                <a:solidFill>
+                  <a:schemeClr val="tx1"/>
+                </a:solidFill>
+                <a:latin typeface="+mn-lt"/>
+                <a:ea typeface="+mn-ea"/>
+                <a:cs typeface="+mn-cs"/>
+              </a:defRPr>
+            </a:lvl9pPr>
+          </a:lstStyle>
+          <a:p>
+            <a:r>
+              <a:rPr lang="en-US" dirty="0"/>
+              <a:t>Your Responsibility</a:t>
+            </a:r>
+          </a:p>
+        </p:txBody>
+      </p:sp>
+      <p:sp>
+        <p:nvSpPr>
+          <p:cNvPr id="13" name="Right Brace 12"/>
+          <p:cNvSpPr/>
+          <p:nvPr/>
+        </p:nvSpPr>
+        <p:spPr>
+          <a:xfrm rot="16200000">
+            <a:off x="6902762" y="519119"/>
+            <a:ext cx="430306" cy="1965962"/>
+          </a:xfrm>
+          <a:prstGeom prst="rightBrace">
+            <a:avLst/>
+          </a:prstGeom>
+        </p:spPr>
+        <p:style>
+          <a:lnRef idx="1">
+            <a:schemeClr val="accent1"/>
+          </a:lnRef>
+          <a:fillRef idx="0">
+            <a:schemeClr val="accent1"/>
+          </a:fillRef>
+          <a:effectRef idx="0">
+            <a:schemeClr val="accent1"/>
+          </a:effectRef>
+          <a:fontRef idx="minor">
+            <a:schemeClr val="tx1"/>
+          </a:fontRef>
+        </p:style>
+        <p:txBody>
+          <a:bodyPr rtlCol="0" anchor="ctr"/>
+          <a:lstStyle>
+            <a:defPPr>
+              <a:defRPr lang="en-US"/>
+            </a:defPPr>
+            <a:lvl1pPr marL="0" algn="l" defTabSz="914400" rtl="0" eaLnBrk="1" latinLnBrk="0" hangingPunct="1">
+              <a:defRPr sz="1800" kern="1200">
+                <a:solidFill>
+                  <a:schemeClr val="tx1"/>
+                </a:solidFill>
+                <a:latin typeface="+mn-lt"/>
+                <a:ea typeface="+mn-ea"/>
+                <a:cs typeface="+mn-cs"/>
+              </a:defRPr>
+            </a:lvl1pPr>
+            <a:lvl2pPr marL="457200" algn="l" defTabSz="914400" rtl="0" eaLnBrk="1" latinLnBrk="0" hangingPunct="1">
+              <a:defRPr sz="1800" kern="1200">
+                <a:solidFill>
+                  <a:schemeClr val="tx1"/>
+                </a:solidFill>
+                <a:latin typeface="+mn-lt"/>
+                <a:ea typeface="+mn-ea"/>
+                <a:cs typeface="+mn-cs"/>
+              </a:defRPr>
+            </a:lvl2pPr>
+            <a:lvl3pPr marL="914400" algn="l" defTabSz="914400" rtl="0" eaLnBrk="1" latinLnBrk="0" hangingPunct="1">
+              <a:defRPr sz="1800" kern="1200">
+                <a:solidFill>
+                  <a:schemeClr val="tx1"/>
+                </a:solidFill>
+                <a:latin typeface="+mn-lt"/>
+                <a:ea typeface="+mn-ea"/>
+                <a:cs typeface="+mn-cs"/>
+              </a:defRPr>
+            </a:lvl3pPr>
+            <a:lvl4pPr marL="1371600" algn="l" defTabSz="914400" rtl="0" eaLnBrk="1" latinLnBrk="0" hangingPunct="1">
+              <a:defRPr sz="1800" kern="1200">
+                <a:solidFill>
+                  <a:schemeClr val="tx1"/>
+                </a:solidFill>
+                <a:latin typeface="+mn-lt"/>
+                <a:ea typeface="+mn-ea"/>
+                <a:cs typeface="+mn-cs"/>
+              </a:defRPr>
+            </a:lvl4pPr>
+            <a:lvl5pPr marL="1828800" algn="l" defTabSz="914400" rtl="0" eaLnBrk="1" latinLnBrk="0" hangingPunct="1">
+              <a:defRPr sz="1800" kern="1200">
+                <a:solidFill>
+                  <a:schemeClr val="tx1"/>
+                </a:solidFill>
+                <a:latin typeface="+mn-lt"/>
+                <a:ea typeface="+mn-ea"/>
+                <a:cs typeface="+mn-cs"/>
+              </a:defRPr>
+            </a:lvl5pPr>
+            <a:lvl6pPr marL="2286000" algn="l" defTabSz="914400" rtl="0" eaLnBrk="1" latinLnBrk="0" hangingPunct="1">
+              <a:defRPr sz="1800" kern="1200">
+                <a:solidFill>
+                  <a:schemeClr val="tx1"/>
+                </a:solidFill>
+                <a:latin typeface="+mn-lt"/>
+                <a:ea typeface="+mn-ea"/>
+                <a:cs typeface="+mn-cs"/>
+              </a:defRPr>
+            </a:lvl6pPr>
+            <a:lvl7pPr marL="2743200" algn="l" defTabSz="914400" rtl="0" eaLnBrk="1" latinLnBrk="0" hangingPunct="1">
+              <a:defRPr sz="1800" kern="1200">
+                <a:solidFill>
+                  <a:schemeClr val="tx1"/>
+                </a:solidFill>
+                <a:latin typeface="+mn-lt"/>
+                <a:ea typeface="+mn-ea"/>
+                <a:cs typeface="+mn-cs"/>
+              </a:defRPr>
+            </a:lvl7pPr>
+            <a:lvl8pPr marL="3200400" algn="l" defTabSz="914400" rtl="0" eaLnBrk="1" latinLnBrk="0" hangingPunct="1">
+              <a:defRPr sz="1800" kern="1200">
+                <a:solidFill>
+                  <a:schemeClr val="tx1"/>
+                </a:solidFill>
+                <a:latin typeface="+mn-lt"/>
+                <a:ea typeface="+mn-ea"/>
+                <a:cs typeface="+mn-cs"/>
+              </a:defRPr>
+            </a:lvl8pPr>
+            <a:lvl9pPr marL="3657600" algn="l" defTabSz="914400" rtl="0" eaLnBrk="1" latinLnBrk="0" hangingPunct="1">
+              <a:defRPr sz="1800" kern="1200">
+                <a:solidFill>
+                  <a:schemeClr val="tx1"/>
+                </a:solidFill>
+                <a:latin typeface="+mn-lt"/>
+                <a:ea typeface="+mn-ea"/>
+                <a:cs typeface="+mn-cs"/>
+              </a:defRPr>
+            </a:lvl9pPr>
+          </a:lstStyle>
+          <a:p>
+            <a:pPr algn="ctr"/>
+            <a:endParaRPr lang="en-US"/>
+          </a:p>
+        </p:txBody>
+      </p:sp>
+      <p:sp>
+        <p:nvSpPr>
+          <p:cNvPr id="14" name="TextBox 2"/>
+          <p:cNvSpPr txBox="1"/>
+          <p:nvPr/>
+        </p:nvSpPr>
+        <p:spPr>
+          <a:xfrm>
+            <a:off x="6565584" y="882134"/>
+            <a:ext cx="1104661" cy="369332"/>
+          </a:xfrm>
+          <a:prstGeom prst="rect">
+            <a:avLst/>
+          </a:prstGeom>
+          <a:noFill/>
+        </p:spPr>
+        <p:txBody>
+          <a:bodyPr wrap="none" rtlCol="0">
+            <a:spAutoFit/>
+          </a:bodyPr>
+          <a:lstStyle>
+            <a:defPPr>
+              <a:defRPr lang="en-US"/>
+            </a:defPPr>
+            <a:lvl1pPr marL="0" algn="l" defTabSz="914400" rtl="0" eaLnBrk="1" latinLnBrk="0" hangingPunct="1">
+              <a:defRPr sz="1800" kern="1200">
+                <a:solidFill>
+                  <a:schemeClr val="tx1"/>
+                </a:solidFill>
+                <a:latin typeface="+mn-lt"/>
+                <a:ea typeface="+mn-ea"/>
+                <a:cs typeface="+mn-cs"/>
+              </a:defRPr>
+            </a:lvl1pPr>
+            <a:lvl2pPr marL="457200" algn="l" defTabSz="914400" rtl="0" eaLnBrk="1" latinLnBrk="0" hangingPunct="1">
+              <a:defRPr sz="1800" kern="1200">
+                <a:solidFill>
+                  <a:schemeClr val="tx1"/>
+                </a:solidFill>
+                <a:latin typeface="+mn-lt"/>
+                <a:ea typeface="+mn-ea"/>
+                <a:cs typeface="+mn-cs"/>
+              </a:defRPr>
+            </a:lvl2pPr>
+            <a:lvl3pPr marL="914400" algn="l" defTabSz="914400" rtl="0" eaLnBrk="1" latinLnBrk="0" hangingPunct="1">
+              <a:defRPr sz="1800" kern="1200">
+                <a:solidFill>
+                  <a:schemeClr val="tx1"/>
+                </a:solidFill>
+                <a:latin typeface="+mn-lt"/>
+                <a:ea typeface="+mn-ea"/>
+                <a:cs typeface="+mn-cs"/>
+              </a:defRPr>
+            </a:lvl3pPr>
+            <a:lvl4pPr marL="1371600" algn="l" defTabSz="914400" rtl="0" eaLnBrk="1" latinLnBrk="0" hangingPunct="1">
+              <a:defRPr sz="1800" kern="1200">
+                <a:solidFill>
+                  <a:schemeClr val="tx1"/>
+                </a:solidFill>
+                <a:latin typeface="+mn-lt"/>
+                <a:ea typeface="+mn-ea"/>
+                <a:cs typeface="+mn-cs"/>
+              </a:defRPr>
+            </a:lvl4pPr>
+            <a:lvl5pPr marL="1828800" algn="l" defTabSz="914400" rtl="0" eaLnBrk="1" latinLnBrk="0" hangingPunct="1">
+              <a:defRPr sz="1800" kern="1200">
+                <a:solidFill>
+                  <a:schemeClr val="tx1"/>
+                </a:solidFill>
+                <a:latin typeface="+mn-lt"/>
+                <a:ea typeface="+mn-ea"/>
+                <a:cs typeface="+mn-cs"/>
+              </a:defRPr>
+            </a:lvl5pPr>
+            <a:lvl6pPr marL="2286000" algn="l" defTabSz="914400" rtl="0" eaLnBrk="1" latinLnBrk="0" hangingPunct="1">
+              <a:defRPr sz="1800" kern="1200">
+                <a:solidFill>
+                  <a:schemeClr val="tx1"/>
+                </a:solidFill>
+                <a:latin typeface="+mn-lt"/>
+                <a:ea typeface="+mn-ea"/>
+                <a:cs typeface="+mn-cs"/>
+              </a:defRPr>
+            </a:lvl6pPr>
+            <a:lvl7pPr marL="2743200" algn="l" defTabSz="914400" rtl="0" eaLnBrk="1" latinLnBrk="0" hangingPunct="1">
+              <a:defRPr sz="1800" kern="1200">
+                <a:solidFill>
+                  <a:schemeClr val="tx1"/>
+                </a:solidFill>
+                <a:latin typeface="+mn-lt"/>
+                <a:ea typeface="+mn-ea"/>
+                <a:cs typeface="+mn-cs"/>
+              </a:defRPr>
+            </a:lvl7pPr>
+            <a:lvl8pPr marL="3200400" algn="l" defTabSz="914400" rtl="0" eaLnBrk="1" latinLnBrk="0" hangingPunct="1">
+              <a:defRPr sz="1800" kern="1200">
+                <a:solidFill>
+                  <a:schemeClr val="tx1"/>
+                </a:solidFill>
+                <a:latin typeface="+mn-lt"/>
+                <a:ea typeface="+mn-ea"/>
+                <a:cs typeface="+mn-cs"/>
+              </a:defRPr>
+            </a:lvl8pPr>
+            <a:lvl9pPr marL="3657600" algn="l" defTabSz="914400" rtl="0" eaLnBrk="1" latinLnBrk="0" hangingPunct="1">
+              <a:defRPr sz="1800" kern="1200">
+                <a:solidFill>
+                  <a:schemeClr val="tx1"/>
+                </a:solidFill>
+                <a:latin typeface="+mn-lt"/>
+                <a:ea typeface="+mn-ea"/>
+                <a:cs typeface="+mn-cs"/>
+              </a:defRPr>
+            </a:lvl9pPr>
+          </a:lstStyle>
+          <a:p>
+            <a:r>
+              <a:rPr lang="en-US" dirty="0"/>
+              <a:t>Container</a:t>
+            </a:r>
+          </a:p>
+        </p:txBody>
+      </p:sp>
+    </p:spTree>
+    <p:extLst>
+      <p:ext uri="{BB962C8B-B14F-4D97-AF65-F5344CB8AC3E}">
+        <p14:creationId xmlns:p14="http://schemas.microsoft.com/office/powerpoint/2010/main" val="733845445"/>
+      </p:ext>
+    </p:extLst>
+  </p:cSld>
+  <p:clrMapOvr>
+    <a:masterClrMapping/>
+  </p:clrMapOvr>
+  <mc:AlternateContent xmlns:mc="http://schemas.openxmlformats.org/markup-compatibility/2006" xmlns:p14="http://schemas.microsoft.com/office/powerpoint/2010/main">
+    <mc:Choice Requires="p14">
+      <p:transition spd="med" p14:dur="700">
+        <p:fade/>
+      </p:transition>
+    </mc:Choice>
+    <mc:Fallback xmlns="">
+      <p:transition spd="med">
+        <p:fade/>
+      </p:transition>
+    </mc:Fallback>
+  </mc:AlternateContent>
+</p:sld>
+</file>
+
+<file path=ppt/slides/slide11.xml><?xml version="1.0" encoding="utf-8"?>
+<p:sld xmlns:a="http://schemas.openxmlformats.org/drawingml/2006/main" xmlns:r="http://schemas.openxmlformats.org/officeDocument/2006/relationships" xmlns:p="http://schemas.openxmlformats.org/presentationml/2006/main">
+  <p:cSld>
+    <p:spTree>
+      <p:nvGrpSpPr>
+        <p:cNvPr id="1" name=""/>
+        <p:cNvGrpSpPr/>
+        <p:nvPr/>
+      </p:nvGrpSpPr>
+      <p:grpSpPr>
+        <a:xfrm>
+          <a:off x="0" y="0"/>
+          <a:ext cx="0" cy="0"/>
+          <a:chOff x="0" y="0"/>
+          <a:chExt cx="0" cy="0"/>
+        </a:xfrm>
+      </p:grpSpPr>
+      <p:sp>
+        <p:nvSpPr>
           <p:cNvPr id="2" name="Title 1"/>
           <p:cNvSpPr>
             <a:spLocks noGrp="1"/>
@@ -20797,7 +21436,7 @@
 </p:sld>
 </file>
 
-<file path=ppt/slides/slide11.xml><?xml version="1.0" encoding="utf-8"?>
+<file path=ppt/slides/slide12.xml><?xml version="1.0" encoding="utf-8"?>
 <p:sld xmlns:a="http://schemas.openxmlformats.org/drawingml/2006/main" xmlns:r="http://schemas.openxmlformats.org/officeDocument/2006/relationships" xmlns:p="http://schemas.openxmlformats.org/presentationml/2006/main">
   <p:cSld>
     <p:spTree>
@@ -21835,7 +22474,7 @@
 </p:sld>
 </file>
 
-<file path=ppt/slides/slide12.xml><?xml version="1.0" encoding="utf-8"?>
+<file path=ppt/slides/slide13.xml><?xml version="1.0" encoding="utf-8"?>
 <p:sld xmlns:a="http://schemas.openxmlformats.org/drawingml/2006/main" xmlns:r="http://schemas.openxmlformats.org/officeDocument/2006/relationships" xmlns:p="http://schemas.openxmlformats.org/presentationml/2006/main">
   <p:cSld>
     <p:spTree>
@@ -21924,7 +22563,7 @@
 </p:sld>
 </file>
 
-<file path=ppt/slides/slide13.xml><?xml version="1.0" encoding="utf-8"?>
+<file path=ppt/slides/slide14.xml><?xml version="1.0" encoding="utf-8"?>
 <p:sld xmlns:a="http://schemas.openxmlformats.org/drawingml/2006/main" xmlns:r="http://schemas.openxmlformats.org/officeDocument/2006/relationships" xmlns:p="http://schemas.openxmlformats.org/presentationml/2006/main">
   <p:cSld>
     <p:spTree>
@@ -22010,7 +22649,7 @@
 </p:sld>
 </file>
 
-<file path=ppt/slides/slide14.xml><?xml version="1.0" encoding="utf-8"?>
+<file path=ppt/slides/slide15.xml><?xml version="1.0" encoding="utf-8"?>
 <p:sld xmlns:a="http://schemas.openxmlformats.org/drawingml/2006/main" xmlns:r="http://schemas.openxmlformats.org/officeDocument/2006/relationships" xmlns:p="http://schemas.openxmlformats.org/presentationml/2006/main">
   <p:cSld>
     <p:spTree>
@@ -22160,6 +22799,169 @@
 </file>
 
 <file path=ppt/slides/slide2.xml><?xml version="1.0" encoding="utf-8"?>
+<p:sld xmlns:a="http://schemas.openxmlformats.org/drawingml/2006/main" xmlns:r="http://schemas.openxmlformats.org/officeDocument/2006/relationships" xmlns:p="http://schemas.openxmlformats.org/presentationml/2006/main">
+  <p:cSld>
+    <p:spTree>
+      <p:nvGrpSpPr>
+        <p:cNvPr id="1" name=""/>
+        <p:cNvGrpSpPr/>
+        <p:nvPr/>
+      </p:nvGrpSpPr>
+      <p:grpSpPr>
+        <a:xfrm>
+          <a:off x="0" y="0"/>
+          <a:ext cx="0" cy="0"/>
+          <a:chOff x="0" y="0"/>
+          <a:chExt cx="0" cy="0"/>
+        </a:xfrm>
+      </p:grpSpPr>
+      <p:sp>
+        <p:nvSpPr>
+          <p:cNvPr id="2" name="Title 1"/>
+          <p:cNvSpPr>
+            <a:spLocks noGrp="1"/>
+          </p:cNvSpPr>
+          <p:nvPr>
+            <p:ph type="title"/>
+          </p:nvPr>
+        </p:nvSpPr>
+        <p:spPr/>
+        <p:txBody>
+          <a:bodyPr/>
+          <a:lstStyle/>
+          <a:p>
+            <a:r>
+              <a:rPr lang="en-US" dirty="0"/>
+              <a:t>About Me</a:t>
+            </a:r>
+          </a:p>
+        </p:txBody>
+      </p:sp>
+      <p:sp>
+        <p:nvSpPr>
+          <p:cNvPr id="3" name="Content Placeholder 2"/>
+          <p:cNvSpPr>
+            <a:spLocks noGrp="1"/>
+          </p:cNvSpPr>
+          <p:nvPr>
+            <p:ph idx="1"/>
+          </p:nvPr>
+        </p:nvSpPr>
+        <p:spPr>
+          <a:xfrm>
+            <a:off x="1065213" y="1828800"/>
+            <a:ext cx="4572000" cy="4191000"/>
+          </a:xfrm>
+        </p:spPr>
+        <p:txBody>
+          <a:bodyPr/>
+          <a:lstStyle/>
+          <a:p>
+            <a:r>
+              <a:rPr lang="en-US" dirty="0"/>
+              <a:t>20 Years Professional Software Development</a:t>
+            </a:r>
+          </a:p>
+          <a:p>
+            <a:r>
+              <a:rPr lang="en-US" dirty="0"/>
+              <a:t>7-Year Microsoft MVP</a:t>
+            </a:r>
+          </a:p>
+          <a:p>
+            <a:r>
+              <a:rPr lang="en-US" dirty="0"/>
+              <a:t>First Computer was a Commodore 64 8-bit 64 kilobyte 2.6 MHz machine</a:t>
+            </a:r>
+          </a:p>
+          <a:p>
+            <a:r>
+              <a:rPr lang="en-US" dirty="0"/>
+              <a:t>Summited my first two “14ers” last year (Mt. Sherman and hiked 13 miles to the summit of Pike’s Peak)</a:t>
+            </a:r>
+          </a:p>
+          <a:p>
+            <a:r>
+              <a:rPr lang="en-US" dirty="0"/>
+              <a:t>3 Years Vegan (although sometimes I end up with eggs)</a:t>
+            </a:r>
+          </a:p>
+        </p:txBody>
+      </p:sp>
+      <p:pic>
+        <p:nvPicPr>
+          <p:cNvPr id="4" name="Picture 3"/>
+          <p:cNvPicPr>
+            <a:picLocks noChangeAspect="1"/>
+          </p:cNvPicPr>
+          <p:nvPr/>
+        </p:nvPicPr>
+        <p:blipFill>
+          <a:blip r:embed="rId2"/>
+          <a:stretch>
+            <a:fillRect/>
+          </a:stretch>
+        </p:blipFill>
+        <p:spPr>
+          <a:xfrm>
+            <a:off x="5789612" y="685800"/>
+            <a:ext cx="4690913" cy="2438400"/>
+          </a:xfrm>
+          <a:prstGeom prst="rect">
+            <a:avLst/>
+          </a:prstGeom>
+        </p:spPr>
+      </p:pic>
+      <p:pic>
+        <p:nvPicPr>
+          <p:cNvPr id="5" name="Picture 4"/>
+          <p:cNvPicPr>
+            <a:picLocks noChangeAspect="1"/>
+          </p:cNvPicPr>
+          <p:nvPr/>
+        </p:nvPicPr>
+        <p:blipFill>
+          <a:blip r:embed="rId3"/>
+          <a:stretch>
+            <a:fillRect/>
+          </a:stretch>
+        </p:blipFill>
+        <p:spPr>
+          <a:xfrm>
+            <a:off x="5789612" y="3352800"/>
+            <a:ext cx="4762535" cy="3224236"/>
+          </a:xfrm>
+          <a:prstGeom prst="rect">
+            <a:avLst/>
+          </a:prstGeom>
+        </p:spPr>
+      </p:pic>
+    </p:spTree>
+    <p:extLst>
+      <p:ext uri="{BB962C8B-B14F-4D97-AF65-F5344CB8AC3E}">
+        <p14:creationId xmlns:p14="http://schemas.microsoft.com/office/powerpoint/2010/main" val="4223900856"/>
+      </p:ext>
+    </p:extLst>
+  </p:cSld>
+  <p:clrMapOvr>
+    <a:masterClrMapping/>
+  </p:clrMapOvr>
+  <mc:AlternateContent xmlns:mc="http://schemas.openxmlformats.org/markup-compatibility/2006" xmlns:p14="http://schemas.microsoft.com/office/powerpoint/2010/main">
+    <mc:Choice Requires="p14">
+      <p:transition spd="med" p14:dur="700">
+        <p:fade/>
+      </p:transition>
+    </mc:Choice>
+    <mc:Fallback xmlns="">
+      <p:transition spd="med">
+        <p:fade/>
+      </p:transition>
+    </mc:Fallback>
+  </mc:AlternateContent>
+</p:sld>
+</file>
+
+<file path=ppt/slides/slide3.xml><?xml version="1.0" encoding="utf-8"?>
 <p:sld xmlns:a="http://schemas.openxmlformats.org/drawingml/2006/main" xmlns:r="http://schemas.openxmlformats.org/officeDocument/2006/relationships" xmlns:p="http://schemas.openxmlformats.org/presentationml/2006/main">
   <p:cSld>
     <p:spTree>
@@ -22674,7 +23476,7 @@
 </p:sld>
 </file>
 
-<file path=ppt/slides/slide3.xml><?xml version="1.0" encoding="utf-8"?>
+<file path=ppt/slides/slide4.xml><?xml version="1.0" encoding="utf-8"?>
 <p:sld xmlns:a="http://schemas.openxmlformats.org/drawingml/2006/main" xmlns:r="http://schemas.openxmlformats.org/officeDocument/2006/relationships" xmlns:p="http://schemas.openxmlformats.org/presentationml/2006/main">
   <p:cSld>
     <p:spTree>
@@ -22801,7 +23603,7 @@
 </p:sld>
 </file>
 
-<file path=ppt/slides/slide4.xml><?xml version="1.0" encoding="utf-8"?>
+<file path=ppt/slides/slide5.xml><?xml version="1.0" encoding="utf-8"?>
 <p:sld xmlns:a="http://schemas.openxmlformats.org/drawingml/2006/main" xmlns:r="http://schemas.openxmlformats.org/officeDocument/2006/relationships" xmlns:p="http://schemas.openxmlformats.org/presentationml/2006/main">
   <p:cSld>
     <p:spTree>
@@ -22908,7 +23710,7 @@
 </p:sld>
 </file>
 
-<file path=ppt/slides/slide5.xml><?xml version="1.0" encoding="utf-8"?>
+<file path=ppt/slides/slide6.xml><?xml version="1.0" encoding="utf-8"?>
 <p:sld xmlns:a="http://schemas.openxmlformats.org/drawingml/2006/main" xmlns:r="http://schemas.openxmlformats.org/officeDocument/2006/relationships" xmlns:p="http://schemas.openxmlformats.org/presentationml/2006/main">
   <p:cSld>
     <p:spTree>
@@ -23251,7 +24053,7 @@
 </p:sld>
 </file>
 
-<file path=ppt/slides/slide6.xml><?xml version="1.0" encoding="utf-8"?>
+<file path=ppt/slides/slide7.xml><?xml version="1.0" encoding="utf-8"?>
 <p:sld xmlns:a="http://schemas.openxmlformats.org/drawingml/2006/main" xmlns:r="http://schemas.openxmlformats.org/officeDocument/2006/relationships" xmlns:p="http://schemas.openxmlformats.org/presentationml/2006/main">
   <p:cSld>
     <p:spTree>
@@ -23358,7 +24160,7 @@
 </p:sld>
 </file>
 
-<file path=ppt/slides/slide7.xml><?xml version="1.0" encoding="utf-8"?>
+<file path=ppt/slides/slide8.xml><?xml version="1.0" encoding="utf-8"?>
 <p:sld xmlns:a="http://schemas.openxmlformats.org/drawingml/2006/main" xmlns:r="http://schemas.openxmlformats.org/officeDocument/2006/relationships" xmlns:p="http://schemas.openxmlformats.org/presentationml/2006/main">
   <p:cSld>
     <p:spTree>
@@ -23505,7 +24307,7 @@
 </p:sld>
 </file>
 
-<file path=ppt/slides/slide8.xml><?xml version="1.0" encoding="utf-8"?>
+<file path=ppt/slides/slide9.xml><?xml version="1.0" encoding="utf-8"?>
 <p:sld xmlns:a="http://schemas.openxmlformats.org/drawingml/2006/main" xmlns:r="http://schemas.openxmlformats.org/officeDocument/2006/relationships" xmlns:p="http://schemas.openxmlformats.org/presentationml/2006/main">
   <p:cSld>
     <p:spTree>
@@ -23827,644 +24629,6 @@
     <p:extLst>
       <p:ext uri="{BB962C8B-B14F-4D97-AF65-F5344CB8AC3E}">
         <p14:creationId xmlns:p14="http://schemas.microsoft.com/office/powerpoint/2010/main" val="3894102606"/>
-      </p:ext>
-    </p:extLst>
-  </p:cSld>
-  <p:clrMapOvr>
-    <a:masterClrMapping/>
-  </p:clrMapOvr>
-  <mc:AlternateContent xmlns:mc="http://schemas.openxmlformats.org/markup-compatibility/2006" xmlns:p14="http://schemas.microsoft.com/office/powerpoint/2010/main">
-    <mc:Choice Requires="p14">
-      <p:transition spd="med" p14:dur="700">
-        <p:fade/>
-      </p:transition>
-    </mc:Choice>
-    <mc:Fallback xmlns="">
-      <p:transition spd="med">
-        <p:fade/>
-      </p:transition>
-    </mc:Fallback>
-  </mc:AlternateContent>
-</p:sld>
-</file>
-
-<file path=ppt/slides/slide9.xml><?xml version="1.0" encoding="utf-8"?>
-<p:sld xmlns:a="http://schemas.openxmlformats.org/drawingml/2006/main" xmlns:r="http://schemas.openxmlformats.org/officeDocument/2006/relationships" xmlns:p="http://schemas.openxmlformats.org/presentationml/2006/main">
-  <p:cSld>
-    <p:spTree>
-      <p:nvGrpSpPr>
-        <p:cNvPr id="1" name=""/>
-        <p:cNvGrpSpPr/>
-        <p:nvPr/>
-      </p:nvGrpSpPr>
-      <p:grpSpPr>
-        <a:xfrm>
-          <a:off x="0" y="0"/>
-          <a:ext cx="0" cy="0"/>
-          <a:chOff x="0" y="0"/>
-          <a:chExt cx="0" cy="0"/>
-        </a:xfrm>
-      </p:grpSpPr>
-      <p:sp>
-        <p:nvSpPr>
-          <p:cNvPr id="3" name="Cylinder 2"/>
-          <p:cNvSpPr/>
-          <p:nvPr/>
-        </p:nvSpPr>
-        <p:spPr>
-          <a:xfrm>
-            <a:off x="6084084" y="1731212"/>
-            <a:ext cx="2067663" cy="1938042"/>
-          </a:xfrm>
-          <a:prstGeom prst="can">
-            <a:avLst/>
-          </a:prstGeom>
-        </p:spPr>
-        <p:style>
-          <a:lnRef idx="2">
-            <a:schemeClr val="accent1">
-              <a:shade val="50000"/>
-            </a:schemeClr>
-          </a:lnRef>
-          <a:fillRef idx="1">
-            <a:schemeClr val="accent1"/>
-          </a:fillRef>
-          <a:effectRef idx="0">
-            <a:schemeClr val="accent1"/>
-          </a:effectRef>
-          <a:fontRef idx="minor">
-            <a:schemeClr val="lt1"/>
-          </a:fontRef>
-        </p:style>
-        <p:txBody>
-          <a:bodyPr rtlCol="0" anchor="ctr"/>
-          <a:lstStyle/>
-          <a:p>
-            <a:pPr algn="ctr"/>
-            <a:endParaRPr lang="en-US"/>
-          </a:p>
-        </p:txBody>
-      </p:sp>
-      <p:sp>
-        <p:nvSpPr>
-          <p:cNvPr id="2" name="Title 1"/>
-          <p:cNvSpPr>
-            <a:spLocks noGrp="1"/>
-          </p:cNvSpPr>
-          <p:nvPr>
-            <p:ph type="title"/>
-          </p:nvPr>
-        </p:nvSpPr>
-        <p:spPr/>
-        <p:txBody>
-          <a:bodyPr/>
-          <a:lstStyle/>
-          <a:p>
-            <a:r>
-              <a:rPr lang="en-US" dirty="0"/>
-              <a:t>Container (wherever!)</a:t>
-            </a:r>
-          </a:p>
-        </p:txBody>
-      </p:sp>
-      <p:graphicFrame>
-        <p:nvGraphicFramePr>
-          <p:cNvPr id="10" name="Content Placeholder 5"/>
-          <p:cNvGraphicFramePr>
-            <a:graphicFrameLocks noGrp="1"/>
-          </p:cNvGraphicFramePr>
-          <p:nvPr>
-            <p:extLst>
-              <p:ext uri="{D42A27DB-BD31-4B8C-83A1-F6EECF244321}">
-                <p14:modId xmlns:p14="http://schemas.microsoft.com/office/powerpoint/2010/main" val="2147720473"/>
-              </p:ext>
-            </p:extLst>
-          </p:nvPr>
-        </p:nvGraphicFramePr>
-        <p:xfrm>
-          <a:off x="1768293" y="2133600"/>
-          <a:ext cx="6292101" cy="3698427"/>
-        </p:xfrm>
-        <a:graphic>
-          <a:graphicData uri="http://schemas.openxmlformats.org/drawingml/2006/diagram">
-            <dgm:relIds xmlns:dgm="http://schemas.openxmlformats.org/drawingml/2006/diagram" xmlns:r="http://schemas.openxmlformats.org/officeDocument/2006/relationships" r:dm="rId2" r:lo="rId3" r:qs="rId4" r:cs="rId5"/>
-          </a:graphicData>
-        </a:graphic>
-      </p:graphicFrame>
-      <p:sp>
-        <p:nvSpPr>
-          <p:cNvPr id="11" name="Right Brace 10"/>
-          <p:cNvSpPr/>
-          <p:nvPr/>
-        </p:nvSpPr>
-        <p:spPr>
-          <a:xfrm>
-            <a:off x="8316144" y="2022501"/>
-            <a:ext cx="812203" cy="1355464"/>
-          </a:xfrm>
-          <a:prstGeom prst="rightBrace">
-            <a:avLst/>
-          </a:prstGeom>
-        </p:spPr>
-        <p:style>
-          <a:lnRef idx="1">
-            <a:schemeClr val="accent1"/>
-          </a:lnRef>
-          <a:fillRef idx="0">
-            <a:schemeClr val="accent1"/>
-          </a:fillRef>
-          <a:effectRef idx="0">
-            <a:schemeClr val="accent1"/>
-          </a:effectRef>
-          <a:fontRef idx="minor">
-            <a:schemeClr val="tx1"/>
-          </a:fontRef>
-        </p:style>
-        <p:txBody>
-          <a:bodyPr rtlCol="0" anchor="ctr"/>
-          <a:lstStyle>
-            <a:defPPr>
-              <a:defRPr lang="en-US"/>
-            </a:defPPr>
-            <a:lvl1pPr marL="0" algn="l" defTabSz="914400" rtl="0" eaLnBrk="1" latinLnBrk="0" hangingPunct="1">
-              <a:defRPr sz="1800" kern="1200">
-                <a:solidFill>
-                  <a:schemeClr val="tx1"/>
-                </a:solidFill>
-                <a:latin typeface="+mn-lt"/>
-                <a:ea typeface="+mn-ea"/>
-                <a:cs typeface="+mn-cs"/>
-              </a:defRPr>
-            </a:lvl1pPr>
-            <a:lvl2pPr marL="457200" algn="l" defTabSz="914400" rtl="0" eaLnBrk="1" latinLnBrk="0" hangingPunct="1">
-              <a:defRPr sz="1800" kern="1200">
-                <a:solidFill>
-                  <a:schemeClr val="tx1"/>
-                </a:solidFill>
-                <a:latin typeface="+mn-lt"/>
-                <a:ea typeface="+mn-ea"/>
-                <a:cs typeface="+mn-cs"/>
-              </a:defRPr>
-            </a:lvl2pPr>
-            <a:lvl3pPr marL="914400" algn="l" defTabSz="914400" rtl="0" eaLnBrk="1" latinLnBrk="0" hangingPunct="1">
-              <a:defRPr sz="1800" kern="1200">
-                <a:solidFill>
-                  <a:schemeClr val="tx1"/>
-                </a:solidFill>
-                <a:latin typeface="+mn-lt"/>
-                <a:ea typeface="+mn-ea"/>
-                <a:cs typeface="+mn-cs"/>
-              </a:defRPr>
-            </a:lvl3pPr>
-            <a:lvl4pPr marL="1371600" algn="l" defTabSz="914400" rtl="0" eaLnBrk="1" latinLnBrk="0" hangingPunct="1">
-              <a:defRPr sz="1800" kern="1200">
-                <a:solidFill>
-                  <a:schemeClr val="tx1"/>
-                </a:solidFill>
-                <a:latin typeface="+mn-lt"/>
-                <a:ea typeface="+mn-ea"/>
-                <a:cs typeface="+mn-cs"/>
-              </a:defRPr>
-            </a:lvl4pPr>
-            <a:lvl5pPr marL="1828800" algn="l" defTabSz="914400" rtl="0" eaLnBrk="1" latinLnBrk="0" hangingPunct="1">
-              <a:defRPr sz="1800" kern="1200">
-                <a:solidFill>
-                  <a:schemeClr val="tx1"/>
-                </a:solidFill>
-                <a:latin typeface="+mn-lt"/>
-                <a:ea typeface="+mn-ea"/>
-                <a:cs typeface="+mn-cs"/>
-              </a:defRPr>
-            </a:lvl5pPr>
-            <a:lvl6pPr marL="2286000" algn="l" defTabSz="914400" rtl="0" eaLnBrk="1" latinLnBrk="0" hangingPunct="1">
-              <a:defRPr sz="1800" kern="1200">
-                <a:solidFill>
-                  <a:schemeClr val="tx1"/>
-                </a:solidFill>
-                <a:latin typeface="+mn-lt"/>
-                <a:ea typeface="+mn-ea"/>
-                <a:cs typeface="+mn-cs"/>
-              </a:defRPr>
-            </a:lvl6pPr>
-            <a:lvl7pPr marL="2743200" algn="l" defTabSz="914400" rtl="0" eaLnBrk="1" latinLnBrk="0" hangingPunct="1">
-              <a:defRPr sz="1800" kern="1200">
-                <a:solidFill>
-                  <a:schemeClr val="tx1"/>
-                </a:solidFill>
-                <a:latin typeface="+mn-lt"/>
-                <a:ea typeface="+mn-ea"/>
-                <a:cs typeface="+mn-cs"/>
-              </a:defRPr>
-            </a:lvl7pPr>
-            <a:lvl8pPr marL="3200400" algn="l" defTabSz="914400" rtl="0" eaLnBrk="1" latinLnBrk="0" hangingPunct="1">
-              <a:defRPr sz="1800" kern="1200">
-                <a:solidFill>
-                  <a:schemeClr val="tx1"/>
-                </a:solidFill>
-                <a:latin typeface="+mn-lt"/>
-                <a:ea typeface="+mn-ea"/>
-                <a:cs typeface="+mn-cs"/>
-              </a:defRPr>
-            </a:lvl8pPr>
-            <a:lvl9pPr marL="3657600" algn="l" defTabSz="914400" rtl="0" eaLnBrk="1" latinLnBrk="0" hangingPunct="1">
-              <a:defRPr sz="1800" kern="1200">
-                <a:solidFill>
-                  <a:schemeClr val="tx1"/>
-                </a:solidFill>
-                <a:latin typeface="+mn-lt"/>
-                <a:ea typeface="+mn-ea"/>
-                <a:cs typeface="+mn-cs"/>
-              </a:defRPr>
-            </a:lvl9pPr>
-          </a:lstStyle>
-          <a:p>
-            <a:pPr algn="ctr"/>
-            <a:endParaRPr lang="en-US" dirty="0"/>
-          </a:p>
-        </p:txBody>
-      </p:sp>
-      <p:sp>
-        <p:nvSpPr>
-          <p:cNvPr id="12" name="TextBox 6"/>
-          <p:cNvSpPr txBox="1"/>
-          <p:nvPr/>
-        </p:nvSpPr>
-        <p:spPr>
-          <a:xfrm>
-            <a:off x="9292744" y="2515567"/>
-            <a:ext cx="1952329" cy="369332"/>
-          </a:xfrm>
-          <a:prstGeom prst="rect">
-            <a:avLst/>
-          </a:prstGeom>
-          <a:noFill/>
-        </p:spPr>
-        <p:txBody>
-          <a:bodyPr wrap="none" rtlCol="0">
-            <a:spAutoFit/>
-          </a:bodyPr>
-          <a:lstStyle>
-            <a:defPPr>
-              <a:defRPr lang="en-US"/>
-            </a:defPPr>
-            <a:lvl1pPr marL="0" algn="l" defTabSz="914400" rtl="0" eaLnBrk="1" latinLnBrk="0" hangingPunct="1">
-              <a:defRPr sz="1800" kern="1200">
-                <a:solidFill>
-                  <a:schemeClr val="tx1"/>
-                </a:solidFill>
-                <a:latin typeface="+mn-lt"/>
-                <a:ea typeface="+mn-ea"/>
-                <a:cs typeface="+mn-cs"/>
-              </a:defRPr>
-            </a:lvl1pPr>
-            <a:lvl2pPr marL="457200" algn="l" defTabSz="914400" rtl="0" eaLnBrk="1" latinLnBrk="0" hangingPunct="1">
-              <a:defRPr sz="1800" kern="1200">
-                <a:solidFill>
-                  <a:schemeClr val="tx1"/>
-                </a:solidFill>
-                <a:latin typeface="+mn-lt"/>
-                <a:ea typeface="+mn-ea"/>
-                <a:cs typeface="+mn-cs"/>
-              </a:defRPr>
-            </a:lvl2pPr>
-            <a:lvl3pPr marL="914400" algn="l" defTabSz="914400" rtl="0" eaLnBrk="1" latinLnBrk="0" hangingPunct="1">
-              <a:defRPr sz="1800" kern="1200">
-                <a:solidFill>
-                  <a:schemeClr val="tx1"/>
-                </a:solidFill>
-                <a:latin typeface="+mn-lt"/>
-                <a:ea typeface="+mn-ea"/>
-                <a:cs typeface="+mn-cs"/>
-              </a:defRPr>
-            </a:lvl3pPr>
-            <a:lvl4pPr marL="1371600" algn="l" defTabSz="914400" rtl="0" eaLnBrk="1" latinLnBrk="0" hangingPunct="1">
-              <a:defRPr sz="1800" kern="1200">
-                <a:solidFill>
-                  <a:schemeClr val="tx1"/>
-                </a:solidFill>
-                <a:latin typeface="+mn-lt"/>
-                <a:ea typeface="+mn-ea"/>
-                <a:cs typeface="+mn-cs"/>
-              </a:defRPr>
-            </a:lvl4pPr>
-            <a:lvl5pPr marL="1828800" algn="l" defTabSz="914400" rtl="0" eaLnBrk="1" latinLnBrk="0" hangingPunct="1">
-              <a:defRPr sz="1800" kern="1200">
-                <a:solidFill>
-                  <a:schemeClr val="tx1"/>
-                </a:solidFill>
-                <a:latin typeface="+mn-lt"/>
-                <a:ea typeface="+mn-ea"/>
-                <a:cs typeface="+mn-cs"/>
-              </a:defRPr>
-            </a:lvl5pPr>
-            <a:lvl6pPr marL="2286000" algn="l" defTabSz="914400" rtl="0" eaLnBrk="1" latinLnBrk="0" hangingPunct="1">
-              <a:defRPr sz="1800" kern="1200">
-                <a:solidFill>
-                  <a:schemeClr val="tx1"/>
-                </a:solidFill>
-                <a:latin typeface="+mn-lt"/>
-                <a:ea typeface="+mn-ea"/>
-                <a:cs typeface="+mn-cs"/>
-              </a:defRPr>
-            </a:lvl6pPr>
-            <a:lvl7pPr marL="2743200" algn="l" defTabSz="914400" rtl="0" eaLnBrk="1" latinLnBrk="0" hangingPunct="1">
-              <a:defRPr sz="1800" kern="1200">
-                <a:solidFill>
-                  <a:schemeClr val="tx1"/>
-                </a:solidFill>
-                <a:latin typeface="+mn-lt"/>
-                <a:ea typeface="+mn-ea"/>
-                <a:cs typeface="+mn-cs"/>
-              </a:defRPr>
-            </a:lvl7pPr>
-            <a:lvl8pPr marL="3200400" algn="l" defTabSz="914400" rtl="0" eaLnBrk="1" latinLnBrk="0" hangingPunct="1">
-              <a:defRPr sz="1800" kern="1200">
-                <a:solidFill>
-                  <a:schemeClr val="tx1"/>
-                </a:solidFill>
-                <a:latin typeface="+mn-lt"/>
-                <a:ea typeface="+mn-ea"/>
-                <a:cs typeface="+mn-cs"/>
-              </a:defRPr>
-            </a:lvl8pPr>
-            <a:lvl9pPr marL="3657600" algn="l" defTabSz="914400" rtl="0" eaLnBrk="1" latinLnBrk="0" hangingPunct="1">
-              <a:defRPr sz="1800" kern="1200">
-                <a:solidFill>
-                  <a:schemeClr val="tx1"/>
-                </a:solidFill>
-                <a:latin typeface="+mn-lt"/>
-                <a:ea typeface="+mn-ea"/>
-                <a:cs typeface="+mn-cs"/>
-              </a:defRPr>
-            </a:lvl9pPr>
-          </a:lstStyle>
-          <a:p>
-            <a:r>
-              <a:rPr lang="en-US" dirty="0"/>
-              <a:t>Your Responsibility</a:t>
-            </a:r>
-          </a:p>
-        </p:txBody>
-      </p:sp>
-      <p:sp>
-        <p:nvSpPr>
-          <p:cNvPr id="13" name="Right Brace 12"/>
-          <p:cNvSpPr/>
-          <p:nvPr/>
-        </p:nvSpPr>
-        <p:spPr>
-          <a:xfrm rot="16200000">
-            <a:off x="6902762" y="519119"/>
-            <a:ext cx="430306" cy="1965962"/>
-          </a:xfrm>
-          <a:prstGeom prst="rightBrace">
-            <a:avLst/>
-          </a:prstGeom>
-        </p:spPr>
-        <p:style>
-          <a:lnRef idx="1">
-            <a:schemeClr val="accent1"/>
-          </a:lnRef>
-          <a:fillRef idx="0">
-            <a:schemeClr val="accent1"/>
-          </a:fillRef>
-          <a:effectRef idx="0">
-            <a:schemeClr val="accent1"/>
-          </a:effectRef>
-          <a:fontRef idx="minor">
-            <a:schemeClr val="tx1"/>
-          </a:fontRef>
-        </p:style>
-        <p:txBody>
-          <a:bodyPr rtlCol="0" anchor="ctr"/>
-          <a:lstStyle>
-            <a:defPPr>
-              <a:defRPr lang="en-US"/>
-            </a:defPPr>
-            <a:lvl1pPr marL="0" algn="l" defTabSz="914400" rtl="0" eaLnBrk="1" latinLnBrk="0" hangingPunct="1">
-              <a:defRPr sz="1800" kern="1200">
-                <a:solidFill>
-                  <a:schemeClr val="tx1"/>
-                </a:solidFill>
-                <a:latin typeface="+mn-lt"/>
-                <a:ea typeface="+mn-ea"/>
-                <a:cs typeface="+mn-cs"/>
-              </a:defRPr>
-            </a:lvl1pPr>
-            <a:lvl2pPr marL="457200" algn="l" defTabSz="914400" rtl="0" eaLnBrk="1" latinLnBrk="0" hangingPunct="1">
-              <a:defRPr sz="1800" kern="1200">
-                <a:solidFill>
-                  <a:schemeClr val="tx1"/>
-                </a:solidFill>
-                <a:latin typeface="+mn-lt"/>
-                <a:ea typeface="+mn-ea"/>
-                <a:cs typeface="+mn-cs"/>
-              </a:defRPr>
-            </a:lvl2pPr>
-            <a:lvl3pPr marL="914400" algn="l" defTabSz="914400" rtl="0" eaLnBrk="1" latinLnBrk="0" hangingPunct="1">
-              <a:defRPr sz="1800" kern="1200">
-                <a:solidFill>
-                  <a:schemeClr val="tx1"/>
-                </a:solidFill>
-                <a:latin typeface="+mn-lt"/>
-                <a:ea typeface="+mn-ea"/>
-                <a:cs typeface="+mn-cs"/>
-              </a:defRPr>
-            </a:lvl3pPr>
-            <a:lvl4pPr marL="1371600" algn="l" defTabSz="914400" rtl="0" eaLnBrk="1" latinLnBrk="0" hangingPunct="1">
-              <a:defRPr sz="1800" kern="1200">
-                <a:solidFill>
-                  <a:schemeClr val="tx1"/>
-                </a:solidFill>
-                <a:latin typeface="+mn-lt"/>
-                <a:ea typeface="+mn-ea"/>
-                <a:cs typeface="+mn-cs"/>
-              </a:defRPr>
-            </a:lvl4pPr>
-            <a:lvl5pPr marL="1828800" algn="l" defTabSz="914400" rtl="0" eaLnBrk="1" latinLnBrk="0" hangingPunct="1">
-              <a:defRPr sz="1800" kern="1200">
-                <a:solidFill>
-                  <a:schemeClr val="tx1"/>
-                </a:solidFill>
-                <a:latin typeface="+mn-lt"/>
-                <a:ea typeface="+mn-ea"/>
-                <a:cs typeface="+mn-cs"/>
-              </a:defRPr>
-            </a:lvl5pPr>
-            <a:lvl6pPr marL="2286000" algn="l" defTabSz="914400" rtl="0" eaLnBrk="1" latinLnBrk="0" hangingPunct="1">
-              <a:defRPr sz="1800" kern="1200">
-                <a:solidFill>
-                  <a:schemeClr val="tx1"/>
-                </a:solidFill>
-                <a:latin typeface="+mn-lt"/>
-                <a:ea typeface="+mn-ea"/>
-                <a:cs typeface="+mn-cs"/>
-              </a:defRPr>
-            </a:lvl6pPr>
-            <a:lvl7pPr marL="2743200" algn="l" defTabSz="914400" rtl="0" eaLnBrk="1" latinLnBrk="0" hangingPunct="1">
-              <a:defRPr sz="1800" kern="1200">
-                <a:solidFill>
-                  <a:schemeClr val="tx1"/>
-                </a:solidFill>
-                <a:latin typeface="+mn-lt"/>
-                <a:ea typeface="+mn-ea"/>
-                <a:cs typeface="+mn-cs"/>
-              </a:defRPr>
-            </a:lvl7pPr>
-            <a:lvl8pPr marL="3200400" algn="l" defTabSz="914400" rtl="0" eaLnBrk="1" latinLnBrk="0" hangingPunct="1">
-              <a:defRPr sz="1800" kern="1200">
-                <a:solidFill>
-                  <a:schemeClr val="tx1"/>
-                </a:solidFill>
-                <a:latin typeface="+mn-lt"/>
-                <a:ea typeface="+mn-ea"/>
-                <a:cs typeface="+mn-cs"/>
-              </a:defRPr>
-            </a:lvl8pPr>
-            <a:lvl9pPr marL="3657600" algn="l" defTabSz="914400" rtl="0" eaLnBrk="1" latinLnBrk="0" hangingPunct="1">
-              <a:defRPr sz="1800" kern="1200">
-                <a:solidFill>
-                  <a:schemeClr val="tx1"/>
-                </a:solidFill>
-                <a:latin typeface="+mn-lt"/>
-                <a:ea typeface="+mn-ea"/>
-                <a:cs typeface="+mn-cs"/>
-              </a:defRPr>
-            </a:lvl9pPr>
-          </a:lstStyle>
-          <a:p>
-            <a:pPr algn="ctr"/>
-            <a:endParaRPr lang="en-US"/>
-          </a:p>
-        </p:txBody>
-      </p:sp>
-      <p:sp>
-        <p:nvSpPr>
-          <p:cNvPr id="14" name="TextBox 2"/>
-          <p:cNvSpPr txBox="1"/>
-          <p:nvPr/>
-        </p:nvSpPr>
-        <p:spPr>
-          <a:xfrm>
-            <a:off x="6565584" y="882134"/>
-            <a:ext cx="1104661" cy="369332"/>
-          </a:xfrm>
-          <a:prstGeom prst="rect">
-            <a:avLst/>
-          </a:prstGeom>
-          <a:noFill/>
-        </p:spPr>
-        <p:txBody>
-          <a:bodyPr wrap="none" rtlCol="0">
-            <a:spAutoFit/>
-          </a:bodyPr>
-          <a:lstStyle>
-            <a:defPPr>
-              <a:defRPr lang="en-US"/>
-            </a:defPPr>
-            <a:lvl1pPr marL="0" algn="l" defTabSz="914400" rtl="0" eaLnBrk="1" latinLnBrk="0" hangingPunct="1">
-              <a:defRPr sz="1800" kern="1200">
-                <a:solidFill>
-                  <a:schemeClr val="tx1"/>
-                </a:solidFill>
-                <a:latin typeface="+mn-lt"/>
-                <a:ea typeface="+mn-ea"/>
-                <a:cs typeface="+mn-cs"/>
-              </a:defRPr>
-            </a:lvl1pPr>
-            <a:lvl2pPr marL="457200" algn="l" defTabSz="914400" rtl="0" eaLnBrk="1" latinLnBrk="0" hangingPunct="1">
-              <a:defRPr sz="1800" kern="1200">
-                <a:solidFill>
-                  <a:schemeClr val="tx1"/>
-                </a:solidFill>
-                <a:latin typeface="+mn-lt"/>
-                <a:ea typeface="+mn-ea"/>
-                <a:cs typeface="+mn-cs"/>
-              </a:defRPr>
-            </a:lvl2pPr>
-            <a:lvl3pPr marL="914400" algn="l" defTabSz="914400" rtl="0" eaLnBrk="1" latinLnBrk="0" hangingPunct="1">
-              <a:defRPr sz="1800" kern="1200">
-                <a:solidFill>
-                  <a:schemeClr val="tx1"/>
-                </a:solidFill>
-                <a:latin typeface="+mn-lt"/>
-                <a:ea typeface="+mn-ea"/>
-                <a:cs typeface="+mn-cs"/>
-              </a:defRPr>
-            </a:lvl3pPr>
-            <a:lvl4pPr marL="1371600" algn="l" defTabSz="914400" rtl="0" eaLnBrk="1" latinLnBrk="0" hangingPunct="1">
-              <a:defRPr sz="1800" kern="1200">
-                <a:solidFill>
-                  <a:schemeClr val="tx1"/>
-                </a:solidFill>
-                <a:latin typeface="+mn-lt"/>
-                <a:ea typeface="+mn-ea"/>
-                <a:cs typeface="+mn-cs"/>
-              </a:defRPr>
-            </a:lvl4pPr>
-            <a:lvl5pPr marL="1828800" algn="l" defTabSz="914400" rtl="0" eaLnBrk="1" latinLnBrk="0" hangingPunct="1">
-              <a:defRPr sz="1800" kern="1200">
-                <a:solidFill>
-                  <a:schemeClr val="tx1"/>
-                </a:solidFill>
-                <a:latin typeface="+mn-lt"/>
-                <a:ea typeface="+mn-ea"/>
-                <a:cs typeface="+mn-cs"/>
-              </a:defRPr>
-            </a:lvl5pPr>
-            <a:lvl6pPr marL="2286000" algn="l" defTabSz="914400" rtl="0" eaLnBrk="1" latinLnBrk="0" hangingPunct="1">
-              <a:defRPr sz="1800" kern="1200">
-                <a:solidFill>
-                  <a:schemeClr val="tx1"/>
-                </a:solidFill>
-                <a:latin typeface="+mn-lt"/>
-                <a:ea typeface="+mn-ea"/>
-                <a:cs typeface="+mn-cs"/>
-              </a:defRPr>
-            </a:lvl6pPr>
-            <a:lvl7pPr marL="2743200" algn="l" defTabSz="914400" rtl="0" eaLnBrk="1" latinLnBrk="0" hangingPunct="1">
-              <a:defRPr sz="1800" kern="1200">
-                <a:solidFill>
-                  <a:schemeClr val="tx1"/>
-                </a:solidFill>
-                <a:latin typeface="+mn-lt"/>
-                <a:ea typeface="+mn-ea"/>
-                <a:cs typeface="+mn-cs"/>
-              </a:defRPr>
-            </a:lvl7pPr>
-            <a:lvl8pPr marL="3200400" algn="l" defTabSz="914400" rtl="0" eaLnBrk="1" latinLnBrk="0" hangingPunct="1">
-              <a:defRPr sz="1800" kern="1200">
-                <a:solidFill>
-                  <a:schemeClr val="tx1"/>
-                </a:solidFill>
-                <a:latin typeface="+mn-lt"/>
-                <a:ea typeface="+mn-ea"/>
-                <a:cs typeface="+mn-cs"/>
-              </a:defRPr>
-            </a:lvl8pPr>
-            <a:lvl9pPr marL="3657600" algn="l" defTabSz="914400" rtl="0" eaLnBrk="1" latinLnBrk="0" hangingPunct="1">
-              <a:defRPr sz="1800" kern="1200">
-                <a:solidFill>
-                  <a:schemeClr val="tx1"/>
-                </a:solidFill>
-                <a:latin typeface="+mn-lt"/>
-                <a:ea typeface="+mn-ea"/>
-                <a:cs typeface="+mn-cs"/>
-              </a:defRPr>
-            </a:lvl9pPr>
-          </a:lstStyle>
-          <a:p>
-            <a:r>
-              <a:rPr lang="en-US" dirty="0"/>
-              <a:t>Container</a:t>
-            </a:r>
-          </a:p>
-        </p:txBody>
-      </p:sp>
-    </p:spTree>
-    <p:extLst>
-      <p:ext uri="{BB962C8B-B14F-4D97-AF65-F5344CB8AC3E}">
-        <p14:creationId xmlns:p14="http://schemas.microsoft.com/office/powerpoint/2010/main" val="733845445"/>
       </p:ext>
     </p:extLst>
   </p:cSld>
@@ -25260,26 +25424,6 @@
 </file>
 
 <file path=customXml/item1.xml><?xml version="1.0" encoding="utf-8"?>
-<?mso-contentType ?>
-<FormTemplates xmlns="http://schemas.microsoft.com/sharepoint/v3/contenttype/forms">
-  <Display>DocumentLibraryForm</Display>
-  <Edit>DocumentLibraryForm</Edit>
-  <New>DocumentLibraryForm</New>
-</FormTemplates>
-</file>
-
-<file path=customXml/item2.xml><?xml version="1.0" encoding="utf-8"?>
-<p:properties xmlns:p="http://schemas.microsoft.com/office/2006/metadata/properties" xmlns:xsi="http://www.w3.org/2001/XMLSchema-instance" xmlns:pc="http://schemas.microsoft.com/office/infopath/2007/PartnerControls">
-  <documentManagement>
-    <VSO_x0020_item_x0020_id xmlns="40262f94-9f35-4ac3-9a90-690165a166b7" xsi:nil="true"/>
-    <Assetid_x0020_ xmlns="40262f94-9f35-4ac3-9a90-690165a166b7" xsi:nil="true"/>
-    <Item_x0020_Details xmlns="40262f94-9f35-4ac3-9a90-690165a166b7" xsi:nil="true"/>
-    <Template_x0020_details xmlns="40262f94-9f35-4ac3-9a90-690165a166b7" xsi:nil="true"/>
-  </documentManagement>
-</p:properties>
-</file>
-
-<file path=customXml/item3.xml><?xml version="1.0" encoding="utf-8"?>
 <ct:contentTypeSchema xmlns:ct="http://schemas.microsoft.com/office/2006/metadata/contentType" xmlns:ma="http://schemas.microsoft.com/office/2006/metadata/properties/metaAttributes" ct:_="" ma:_="" ma:contentTypeName="Document" ma:contentTypeID="0x010100AA3F7D94069FF64A86F7DFF56D60E3BE" ma:contentTypeVersion="6" ma:contentTypeDescription="Create a new document." ma:contentTypeScope="" ma:versionID="c32302c77d4085ecf495bdddb7f5e889">
   <xsd:schema xmlns:xsd="http://www.w3.org/2001/XMLSchema" xmlns:xs="http://www.w3.org/2001/XMLSchema" xmlns:p="http://schemas.microsoft.com/office/2006/metadata/properties" xmlns:ns2="a4f35948-e619-41b3-aa29-22878b09cfd2" xmlns:ns3="40262f94-9f35-4ac3-9a90-690165a166b7" targetNamespace="http://schemas.microsoft.com/office/2006/metadata/properties" ma:root="true" ma:fieldsID="4ab5ae46be95f9d0be6107e8200be7a2" ns2:_="" ns3:_="">
     <xsd:import namespace="a4f35948-e619-41b3-aa29-22878b09cfd2"/>
@@ -25460,10 +25604,41 @@
 </ct:contentTypeSchema>
 </file>
 
+<file path=customXml/item2.xml><?xml version="1.0" encoding="utf-8"?>
+<p:properties xmlns:p="http://schemas.microsoft.com/office/2006/metadata/properties" xmlns:xsi="http://www.w3.org/2001/XMLSchema-instance" xmlns:pc="http://schemas.microsoft.com/office/infopath/2007/PartnerControls">
+  <documentManagement>
+    <VSO_x0020_item_x0020_id xmlns="40262f94-9f35-4ac3-9a90-690165a166b7" xsi:nil="true"/>
+    <Assetid_x0020_ xmlns="40262f94-9f35-4ac3-9a90-690165a166b7" xsi:nil="true"/>
+    <Item_x0020_Details xmlns="40262f94-9f35-4ac3-9a90-690165a166b7" xsi:nil="true"/>
+    <Template_x0020_details xmlns="40262f94-9f35-4ac3-9a90-690165a166b7" xsi:nil="true"/>
+  </documentManagement>
+</p:properties>
+</file>
+
+<file path=customXml/item3.xml><?xml version="1.0" encoding="utf-8"?>
+<?mso-contentType ?>
+<FormTemplates xmlns="http://schemas.microsoft.com/sharepoint/v3/contenttype/forms">
+  <Display>DocumentLibraryForm</Display>
+  <Edit>DocumentLibraryForm</Edit>
+  <New>DocumentLibraryForm</New>
+</FormTemplates>
+</file>
+
 <file path=customXml/itemProps1.xml><?xml version="1.0" encoding="utf-8"?>
-<ds:datastoreItem xmlns:ds="http://schemas.openxmlformats.org/officeDocument/2006/customXml" ds:itemID="{02F2BE50-DDB3-465B-A26E-975A276D4362}">
+<ds:datastoreItem xmlns:ds="http://schemas.openxmlformats.org/officeDocument/2006/customXml" ds:itemID="{7C80FAF7-F941-4D3E-A3C3-283A61107933}">
   <ds:schemaRefs>
-    <ds:schemaRef ds:uri="http://schemas.microsoft.com/sharepoint/v3/contenttype/forms"/>
+    <ds:schemaRef ds:uri="http://schemas.microsoft.com/office/2006/metadata/contentType"/>
+    <ds:schemaRef ds:uri="http://schemas.microsoft.com/office/2006/metadata/properties/metaAttributes"/>
+    <ds:schemaRef ds:uri="http://www.w3.org/2001/XMLSchema"/>
+    <ds:schemaRef ds:uri="http://schemas.microsoft.com/office/2006/metadata/properties"/>
+    <ds:schemaRef ds:uri="a4f35948-e619-41b3-aa29-22878b09cfd2"/>
+    <ds:schemaRef ds:uri="40262f94-9f35-4ac3-9a90-690165a166b7"/>
+    <ds:schemaRef ds:uri="http://schemas.microsoft.com/office/2006/documentManagement/types"/>
+    <ds:schemaRef ds:uri="http://schemas.microsoft.com/office/infopath/2007/PartnerControls"/>
+    <ds:schemaRef ds:uri="http://schemas.openxmlformats.org/package/2006/metadata/core-properties"/>
+    <ds:schemaRef ds:uri="http://purl.org/dc/elements/1.1/"/>
+    <ds:schemaRef ds:uri="http://purl.org/dc/terms/"/>
+    <ds:schemaRef ds:uri="http://schemas.microsoft.com/internal/obd"/>
   </ds:schemaRefs>
 </ds:datastoreItem>
 </file>
@@ -25486,20 +25661,9 @@
 </file>
 
 <file path=customXml/itemProps3.xml><?xml version="1.0" encoding="utf-8"?>
-<ds:datastoreItem xmlns:ds="http://schemas.openxmlformats.org/officeDocument/2006/customXml" ds:itemID="{7C80FAF7-F941-4D3E-A3C3-283A61107933}">
+<ds:datastoreItem xmlns:ds="http://schemas.openxmlformats.org/officeDocument/2006/customXml" ds:itemID="{02F2BE50-DDB3-465B-A26E-975A276D4362}">
   <ds:schemaRefs>
-    <ds:schemaRef ds:uri="http://schemas.microsoft.com/office/2006/metadata/contentType"/>
-    <ds:schemaRef ds:uri="http://schemas.microsoft.com/office/2006/metadata/properties/metaAttributes"/>
-    <ds:schemaRef ds:uri="http://www.w3.org/2001/XMLSchema"/>
-    <ds:schemaRef ds:uri="http://schemas.microsoft.com/office/2006/metadata/properties"/>
-    <ds:schemaRef ds:uri="a4f35948-e619-41b3-aa29-22878b09cfd2"/>
-    <ds:schemaRef ds:uri="40262f94-9f35-4ac3-9a90-690165a166b7"/>
-    <ds:schemaRef ds:uri="http://schemas.microsoft.com/office/2006/documentManagement/types"/>
-    <ds:schemaRef ds:uri="http://schemas.microsoft.com/office/infopath/2007/PartnerControls"/>
-    <ds:schemaRef ds:uri="http://schemas.openxmlformats.org/package/2006/metadata/core-properties"/>
-    <ds:schemaRef ds:uri="http://purl.org/dc/elements/1.1/"/>
-    <ds:schemaRef ds:uri="http://purl.org/dc/terms/"/>
-    <ds:schemaRef ds:uri="http://schemas.microsoft.com/internal/obd"/>
+    <ds:schemaRef ds:uri="http://schemas.microsoft.com/sharepoint/v3/contenttype/forms"/>
   </ds:schemaRefs>
 </ds:datastoreItem>
 </file>
--- a/ContainYourExcitement.pptx
+++ b/ContainYourExcitement.pptx
@@ -16759,7 +16759,7 @@
           <a:p>
             <a:fld id="{24CE221E-83ED-4F6C-BA5F-3F9E6FDB6953}" type="datetimeFigureOut">
               <a:rPr lang="en-US"/>
-              <a:t>6/21/2017</a:t>
+              <a:t>6/23/2017</a:t>
             </a:fld>
             <a:endParaRPr/>
           </a:p>
@@ -16924,7 +16924,7 @@
           <a:p>
             <a:fld id="{97853E5F-CE67-483C-A264-F17AC70E9CA2}" type="datetimeFigureOut">
               <a:rPr lang="en-US"/>
-              <a:t>6/21/2017</a:t>
+              <a:t>6/23/2017</a:t>
             </a:fld>
             <a:endParaRPr/>
           </a:p>
@@ -17426,7 +17426,7 @@
           <a:p>
             <a:fld id="{3E0FA9E5-6744-4841-888F-9E7CC0C2B7EC}" type="datetimeFigureOut">
               <a:rPr lang="en-US"/>
-              <a:t>6/21/2017</a:t>
+              <a:t>6/23/2017</a:t>
             </a:fld>
             <a:endParaRPr/>
           </a:p>
@@ -17612,7 +17612,7 @@
           <a:p>
             <a:fld id="{3E0FA9E5-6744-4841-888F-9E7CC0C2B7EC}" type="datetimeFigureOut">
               <a:rPr lang="en-US"/>
-              <a:t>6/21/2017</a:t>
+              <a:t>6/23/2017</a:t>
             </a:fld>
             <a:endParaRPr/>
           </a:p>
@@ -17808,7 +17808,7 @@
           <a:p>
             <a:fld id="{3E0FA9E5-6744-4841-888F-9E7CC0C2B7EC}" type="datetimeFigureOut">
               <a:rPr lang="en-US"/>
-              <a:t>6/21/2017</a:t>
+              <a:t>6/23/2017</a:t>
             </a:fld>
             <a:endParaRPr/>
           </a:p>
@@ -17994,7 +17994,7 @@
           <a:p>
             <a:fld id="{3E0FA9E5-6744-4841-888F-9E7CC0C2B7EC}" type="datetimeFigureOut">
               <a:rPr lang="en-US"/>
-              <a:t>6/21/2017</a:t>
+              <a:t>6/23/2017</a:t>
             </a:fld>
             <a:endParaRPr/>
           </a:p>
@@ -18283,7 +18283,7 @@
           <a:p>
             <a:fld id="{3E0FA9E5-6744-4841-888F-9E7CC0C2B7EC}" type="datetimeFigureOut">
               <a:rPr lang="en-US"/>
-              <a:t>6/21/2017</a:t>
+              <a:t>6/23/2017</a:t>
             </a:fld>
             <a:endParaRPr/>
           </a:p>
@@ -18591,7 +18591,7 @@
           <a:p>
             <a:fld id="{3E0FA9E5-6744-4841-888F-9E7CC0C2B7EC}" type="datetimeFigureOut">
               <a:rPr lang="en-US"/>
-              <a:t>6/21/2017</a:t>
+              <a:t>6/23/2017</a:t>
             </a:fld>
             <a:endParaRPr/>
           </a:p>
@@ -19043,7 +19043,7 @@
           <a:p>
             <a:fld id="{3E0FA9E5-6744-4841-888F-9E7CC0C2B7EC}" type="datetimeFigureOut">
               <a:rPr lang="en-US"/>
-              <a:t>6/21/2017</a:t>
+              <a:t>6/23/2017</a:t>
             </a:fld>
             <a:endParaRPr/>
           </a:p>
@@ -19177,7 +19177,7 @@
           <a:p>
             <a:fld id="{3E0FA9E5-6744-4841-888F-9E7CC0C2B7EC}" type="datetimeFigureOut">
               <a:rPr lang="en-US"/>
-              <a:t>6/21/2017</a:t>
+              <a:t>6/23/2017</a:t>
             </a:fld>
             <a:endParaRPr/>
           </a:p>
@@ -19307,7 +19307,7 @@
           <a:p>
             <a:fld id="{3E0FA9E5-6744-4841-888F-9E7CC0C2B7EC}" type="datetimeFigureOut">
               <a:rPr lang="en-US"/>
-              <a:t>6/21/2017</a:t>
+              <a:t>6/23/2017</a:t>
             </a:fld>
             <a:endParaRPr/>
           </a:p>
@@ -19638,7 +19638,7 @@
           <a:p>
             <a:fld id="{3E0FA9E5-6744-4841-888F-9E7CC0C2B7EC}" type="datetimeFigureOut">
               <a:rPr lang="en-US"/>
-              <a:t>6/21/2017</a:t>
+              <a:t>6/23/2017</a:t>
             </a:fld>
             <a:endParaRPr/>
           </a:p>
@@ -20145,7 +20145,7 @@
             <a:fld id="{3E0FA9E5-6744-4841-888F-9E7CC0C2B7EC}" type="datetimeFigureOut">
               <a:rPr lang="en-US" smtClean="0"/>
               <a:pPr/>
-              <a:t>6/21/2017</a:t>
+              <a:t>6/23/2017</a:t>
             </a:fld>
             <a:endParaRPr lang="en-US" dirty="0"/>
           </a:p>
@@ -22622,6 +22622,19 @@
               <a:t>Now for the “Hands on” Part!</a:t>
             </a:r>
           </a:p>
+          <a:p>
+            <a:r>
+              <a:rPr lang="en-US" dirty="0">
+                <a:hlinkClick r:id="rId2"/>
+              </a:rPr>
+              <a:t>https://github.com/JeremyLikness/docker-we-rise</a:t>
+            </a:r>
+            <a:r>
+              <a:rPr lang="en-US" dirty="0"/>
+              <a:t> </a:t>
+            </a:r>
+            <a:endParaRPr lang="en-US" dirty="0"/>
+          </a:p>
         </p:txBody>
       </p:sp>
     </p:spTree>
@@ -22698,7 +22711,12 @@
             <p:ph type="body" sz="half" idx="2"/>
           </p:nvPr>
         </p:nvSpPr>
-        <p:spPr/>
+        <p:spPr>
+          <a:xfrm>
+            <a:off x="1065213" y="2209800"/>
+            <a:ext cx="4114800" cy="2362200"/>
+          </a:xfrm>
+        </p:spPr>
         <p:txBody>
           <a:bodyPr/>
           <a:lstStyle/>
@@ -22773,6 +22791,42 @@
           </a:xfrm>
         </p:spPr>
       </p:pic>
+      <p:sp>
+        <p:nvSpPr>
+          <p:cNvPr id="3" name="TextBox 2"/>
+          <p:cNvSpPr txBox="1"/>
+          <p:nvPr/>
+        </p:nvSpPr>
+        <p:spPr>
+          <a:xfrm rot="527011">
+            <a:off x="5942012" y="4724400"/>
+            <a:ext cx="5236818" cy="369332"/>
+          </a:xfrm>
+          <a:prstGeom prst="rect">
+            <a:avLst/>
+          </a:prstGeom>
+          <a:noFill/>
+        </p:spPr>
+        <p:txBody>
+          <a:bodyPr wrap="none" rtlCol="0">
+            <a:spAutoFit/>
+          </a:bodyPr>
+          <a:lstStyle/>
+          <a:p>
+            <a:r>
+              <a:rPr lang="en-US" dirty="0">
+                <a:hlinkClick r:id="rId5"/>
+              </a:rPr>
+              <a:t>https://github.com/JeremyLikness/docker-we-rise</a:t>
+            </a:r>
+            <a:r>
+              <a:rPr lang="en-US" dirty="0"/>
+              <a:t> </a:t>
+            </a:r>
+            <a:endParaRPr lang="en-US" dirty="0"/>
+          </a:p>
+        </p:txBody>
+      </p:sp>
     </p:spTree>
     <p:extLst>
       <p:ext uri="{BB962C8B-B14F-4D97-AF65-F5344CB8AC3E}">
@@ -25424,6 +25478,26 @@
 </file>
 
 <file path=customXml/item1.xml><?xml version="1.0" encoding="utf-8"?>
+<?mso-contentType ?>
+<FormTemplates xmlns="http://schemas.microsoft.com/sharepoint/v3/contenttype/forms">
+  <Display>DocumentLibraryForm</Display>
+  <Edit>DocumentLibraryForm</Edit>
+  <New>DocumentLibraryForm</New>
+</FormTemplates>
+</file>
+
+<file path=customXml/item2.xml><?xml version="1.0" encoding="utf-8"?>
+<p:properties xmlns:p="http://schemas.microsoft.com/office/2006/metadata/properties" xmlns:xsi="http://www.w3.org/2001/XMLSchema-instance" xmlns:pc="http://schemas.microsoft.com/office/infopath/2007/PartnerControls">
+  <documentManagement>
+    <VSO_x0020_item_x0020_id xmlns="40262f94-9f35-4ac3-9a90-690165a166b7" xsi:nil="true"/>
+    <Assetid_x0020_ xmlns="40262f94-9f35-4ac3-9a90-690165a166b7" xsi:nil="true"/>
+    <Item_x0020_Details xmlns="40262f94-9f35-4ac3-9a90-690165a166b7" xsi:nil="true"/>
+    <Template_x0020_details xmlns="40262f94-9f35-4ac3-9a90-690165a166b7" xsi:nil="true"/>
+  </documentManagement>
+</p:properties>
+</file>
+
+<file path=customXml/item3.xml><?xml version="1.0" encoding="utf-8"?>
 <ct:contentTypeSchema xmlns:ct="http://schemas.microsoft.com/office/2006/metadata/contentType" xmlns:ma="http://schemas.microsoft.com/office/2006/metadata/properties/metaAttributes" ct:_="" ma:_="" ma:contentTypeName="Document" ma:contentTypeID="0x010100AA3F7D94069FF64A86F7DFF56D60E3BE" ma:contentTypeVersion="6" ma:contentTypeDescription="Create a new document." ma:contentTypeScope="" ma:versionID="c32302c77d4085ecf495bdddb7f5e889">
   <xsd:schema xmlns:xsd="http://www.w3.org/2001/XMLSchema" xmlns:xs="http://www.w3.org/2001/XMLSchema" xmlns:p="http://schemas.microsoft.com/office/2006/metadata/properties" xmlns:ns2="a4f35948-e619-41b3-aa29-22878b09cfd2" xmlns:ns3="40262f94-9f35-4ac3-9a90-690165a166b7" targetNamespace="http://schemas.microsoft.com/office/2006/metadata/properties" ma:root="true" ma:fieldsID="4ab5ae46be95f9d0be6107e8200be7a2" ns2:_="" ns3:_="">
     <xsd:import namespace="a4f35948-e619-41b3-aa29-22878b09cfd2"/>
@@ -25604,41 +25678,10 @@
 </ct:contentTypeSchema>
 </file>
 
-<file path=customXml/item2.xml><?xml version="1.0" encoding="utf-8"?>
-<p:properties xmlns:p="http://schemas.microsoft.com/office/2006/metadata/properties" xmlns:xsi="http://www.w3.org/2001/XMLSchema-instance" xmlns:pc="http://schemas.microsoft.com/office/infopath/2007/PartnerControls">
-  <documentManagement>
-    <VSO_x0020_item_x0020_id xmlns="40262f94-9f35-4ac3-9a90-690165a166b7" xsi:nil="true"/>
-    <Assetid_x0020_ xmlns="40262f94-9f35-4ac3-9a90-690165a166b7" xsi:nil="true"/>
-    <Item_x0020_Details xmlns="40262f94-9f35-4ac3-9a90-690165a166b7" xsi:nil="true"/>
-    <Template_x0020_details xmlns="40262f94-9f35-4ac3-9a90-690165a166b7" xsi:nil="true"/>
-  </documentManagement>
-</p:properties>
-</file>
-
-<file path=customXml/item3.xml><?xml version="1.0" encoding="utf-8"?>
-<?mso-contentType ?>
-<FormTemplates xmlns="http://schemas.microsoft.com/sharepoint/v3/contenttype/forms">
-  <Display>DocumentLibraryForm</Display>
-  <Edit>DocumentLibraryForm</Edit>
-  <New>DocumentLibraryForm</New>
-</FormTemplates>
-</file>
-
 <file path=customXml/itemProps1.xml><?xml version="1.0" encoding="utf-8"?>
-<ds:datastoreItem xmlns:ds="http://schemas.openxmlformats.org/officeDocument/2006/customXml" ds:itemID="{7C80FAF7-F941-4D3E-A3C3-283A61107933}">
+<ds:datastoreItem xmlns:ds="http://schemas.openxmlformats.org/officeDocument/2006/customXml" ds:itemID="{02F2BE50-DDB3-465B-A26E-975A276D4362}">
   <ds:schemaRefs>
-    <ds:schemaRef ds:uri="http://schemas.microsoft.com/office/2006/metadata/contentType"/>
-    <ds:schemaRef ds:uri="http://schemas.microsoft.com/office/2006/metadata/properties/metaAttributes"/>
-    <ds:schemaRef ds:uri="http://www.w3.org/2001/XMLSchema"/>
-    <ds:schemaRef ds:uri="http://schemas.microsoft.com/office/2006/metadata/properties"/>
-    <ds:schemaRef ds:uri="a4f35948-e619-41b3-aa29-22878b09cfd2"/>
-    <ds:schemaRef ds:uri="40262f94-9f35-4ac3-9a90-690165a166b7"/>
-    <ds:schemaRef ds:uri="http://schemas.microsoft.com/office/2006/documentManagement/types"/>
-    <ds:schemaRef ds:uri="http://schemas.microsoft.com/office/infopath/2007/PartnerControls"/>
-    <ds:schemaRef ds:uri="http://schemas.openxmlformats.org/package/2006/metadata/core-properties"/>
-    <ds:schemaRef ds:uri="http://purl.org/dc/elements/1.1/"/>
-    <ds:schemaRef ds:uri="http://purl.org/dc/terms/"/>
-    <ds:schemaRef ds:uri="http://schemas.microsoft.com/internal/obd"/>
+    <ds:schemaRef ds:uri="http://schemas.microsoft.com/sharepoint/v3/contenttype/forms"/>
   </ds:schemaRefs>
 </ds:datastoreItem>
 </file>
@@ -25661,9 +25704,20 @@
 </file>
 
 <file path=customXml/itemProps3.xml><?xml version="1.0" encoding="utf-8"?>
-<ds:datastoreItem xmlns:ds="http://schemas.openxmlformats.org/officeDocument/2006/customXml" ds:itemID="{02F2BE50-DDB3-465B-A26E-975A276D4362}">
+<ds:datastoreItem xmlns:ds="http://schemas.openxmlformats.org/officeDocument/2006/customXml" ds:itemID="{7C80FAF7-F941-4D3E-A3C3-283A61107933}">
   <ds:schemaRefs>
-    <ds:schemaRef ds:uri="http://schemas.microsoft.com/sharepoint/v3/contenttype/forms"/>
+    <ds:schemaRef ds:uri="http://schemas.microsoft.com/office/2006/metadata/contentType"/>
+    <ds:schemaRef ds:uri="http://schemas.microsoft.com/office/2006/metadata/properties/metaAttributes"/>
+    <ds:schemaRef ds:uri="http://www.w3.org/2001/XMLSchema"/>
+    <ds:schemaRef ds:uri="http://schemas.microsoft.com/office/2006/metadata/properties"/>
+    <ds:schemaRef ds:uri="a4f35948-e619-41b3-aa29-22878b09cfd2"/>
+    <ds:schemaRef ds:uri="40262f94-9f35-4ac3-9a90-690165a166b7"/>
+    <ds:schemaRef ds:uri="http://schemas.microsoft.com/office/2006/documentManagement/types"/>
+    <ds:schemaRef ds:uri="http://schemas.microsoft.com/office/infopath/2007/PartnerControls"/>
+    <ds:schemaRef ds:uri="http://schemas.openxmlformats.org/package/2006/metadata/core-properties"/>
+    <ds:schemaRef ds:uri="http://purl.org/dc/elements/1.1/"/>
+    <ds:schemaRef ds:uri="http://purl.org/dc/terms/"/>
+    <ds:schemaRef ds:uri="http://schemas.microsoft.com/internal/obd"/>
   </ds:schemaRefs>
 </ds:datastoreItem>
 </file>